--- a/Презентация к защите.pptx
+++ b/Презентация к защите.pptx
@@ -3187,10 +3187,6 @@
               </a:rPr>
               <a:t>. Горелко Д.С.</a:t>
             </a:r>
-            <a:endParaRPr lang="ru-RU" dirty="0">
-              <a:latin typeface="Times New Roman" panose="02020603050405020304" pitchFamily="18" charset="0"/>
-              <a:cs typeface="Times New Roman" panose="02020603050405020304" pitchFamily="18" charset="0"/>
-            </a:endParaRPr>
           </a:p>
         </p:txBody>
       </p:sp>
@@ -3231,6 +3227,35 @@
           <a:chExt cx="0" cy="0"/>
         </a:xfrm>
       </p:grpSpPr>
+      <p:pic>
+        <p:nvPicPr>
+          <p:cNvPr id="8" name="Объект 7"/>
+          <p:cNvPicPr>
+            <a:picLocks noGrp="1" noChangeAspect="1"/>
+          </p:cNvPicPr>
+          <p:nvPr>
+            <p:ph idx="1"/>
+          </p:nvPr>
+        </p:nvPicPr>
+        <p:blipFill>
+          <a:blip r:embed="rId2" cstate="print">
+            <a:extLst>
+              <a:ext uri="{28A0092B-C50C-407E-A947-70E740481C1C}">
+                <a14:useLocalDpi xmlns:a14="http://schemas.microsoft.com/office/drawing/2010/main" val="0"/>
+              </a:ext>
+            </a:extLst>
+          </a:blip>
+          <a:stretch>
+            <a:fillRect/>
+          </a:stretch>
+        </p:blipFill>
+        <p:spPr>
+          <a:xfrm>
+            <a:off x="224013" y="365125"/>
+            <a:ext cx="11692468" cy="6577013"/>
+          </a:xfrm>
+        </p:spPr>
+      </p:pic>
       <p:sp>
         <p:nvSpPr>
           <p:cNvPr id="2" name="Заголовок 1"/>
@@ -3241,97 +3266,23 @@
             <p:ph type="title"/>
           </p:nvPr>
         </p:nvSpPr>
-        <p:spPr/>
+        <p:spPr>
+          <a:xfrm>
+            <a:off x="838199" y="365125"/>
+            <a:ext cx="10696575" cy="1325563"/>
+          </a:xfrm>
+        </p:spPr>
         <p:txBody>
           <a:bodyPr/>
           <a:lstStyle/>
           <a:p>
             <a:r>
               <a:rPr lang="ru-RU" dirty="0" smtClean="0"/>
-              <a:t>Итоговая схема работы </a:t>
-            </a:r>
-            <a:r>
-              <a:rPr lang="en-US" dirty="0" err="1" smtClean="0"/>
-              <a:t>Zabbix</a:t>
+              <a:t>Дополнительное ПО для поимки </a:t>
             </a:r>
             <a:r>
               <a:rPr lang="en-US" dirty="0" smtClean="0"/>
-              <a:t> </a:t>
-            </a:r>
-            <a:r>
-              <a:rPr lang="ru-RU" dirty="0" smtClean="0"/>
-              <a:t>с </a:t>
-            </a:r>
-            <a:r>
-              <a:rPr lang="en-US" dirty="0" smtClean="0"/>
-              <a:t>SNMP</a:t>
-            </a:r>
-            <a:endParaRPr lang="ru-RU" dirty="0"/>
-          </a:p>
-        </p:txBody>
-      </p:sp>
-      <p:sp>
-        <p:nvSpPr>
-          <p:cNvPr id="3" name="Объект 2"/>
-          <p:cNvSpPr>
-            <a:spLocks noGrp="1"/>
-          </p:cNvSpPr>
-          <p:nvPr>
-            <p:ph idx="1"/>
-          </p:nvPr>
-        </p:nvSpPr>
-        <p:spPr/>
-        <p:txBody>
-          <a:bodyPr/>
-          <a:lstStyle/>
-          <a:p>
-            <a:pPr marL="0" indent="0">
-              <a:buNone/>
-            </a:pPr>
-            <a:r>
-              <a:rPr lang="en-US" dirty="0" smtClean="0"/>
-              <a:t>//</a:t>
-            </a:r>
-            <a:r>
-              <a:rPr lang="ru-RU" dirty="0" smtClean="0"/>
-              <a:t>Сделаю картинку</a:t>
-            </a:r>
-          </a:p>
-          <a:p>
-            <a:pPr marL="0" indent="0">
-              <a:buNone/>
-            </a:pPr>
-            <a:endParaRPr lang="ru-RU" dirty="0"/>
-          </a:p>
-          <a:p>
-            <a:pPr marL="0" indent="0" algn="ctr">
-              <a:buNone/>
-            </a:pPr>
-            <a:endParaRPr lang="en-US" dirty="0" smtClean="0"/>
-          </a:p>
-          <a:p>
-            <a:pPr marL="0" indent="0" algn="ctr">
-              <a:buNone/>
-            </a:pPr>
-            <a:r>
-              <a:rPr lang="en-US" dirty="0" err="1" smtClean="0"/>
-              <a:t>snmptrapd</a:t>
-            </a:r>
-            <a:r>
-              <a:rPr lang="en-US" dirty="0" smtClean="0"/>
-              <a:t> -&gt; </a:t>
-            </a:r>
-            <a:r>
-              <a:rPr lang="en-US" dirty="0" err="1" smtClean="0"/>
-              <a:t>snmptt</a:t>
-            </a:r>
-            <a:r>
-              <a:rPr lang="en-US" dirty="0" smtClean="0"/>
-              <a:t> -&gt; </a:t>
-            </a:r>
-            <a:r>
-              <a:rPr lang="en-US" dirty="0" err="1" smtClean="0"/>
-              <a:t>Zabbix</a:t>
+              <a:t>SNMP-traps</a:t>
             </a:r>
             <a:endParaRPr lang="ru-RU" dirty="0"/>
           </a:p>
@@ -3397,71 +3348,33 @@
           </a:p>
         </p:txBody>
       </p:sp>
-      <p:sp>
-        <p:nvSpPr>
-          <p:cNvPr id="3" name="Объект 2"/>
-          <p:cNvSpPr>
-            <a:spLocks noGrp="1"/>
-          </p:cNvSpPr>
-          <p:nvPr>
-            <p:ph idx="1"/>
-          </p:nvPr>
-        </p:nvSpPr>
-        <p:spPr/>
-        <p:txBody>
-          <a:bodyPr/>
-          <a:lstStyle/>
-          <a:p>
-            <a:pPr marL="0" indent="0">
-              <a:buNone/>
-            </a:pPr>
-            <a:r>
-              <a:rPr lang="ru-RU" dirty="0" smtClean="0"/>
-              <a:t>2 варианта картинки:</a:t>
-            </a:r>
-          </a:p>
-          <a:p>
-            <a:pPr marL="514350" indent="-514350">
-              <a:buAutoNum type="arabicPeriod"/>
-            </a:pPr>
-            <a:r>
-              <a:rPr lang="ru-RU" dirty="0" smtClean="0"/>
-              <a:t>Подпись – «активно проверять свободное место на жестком диске»: рисунок: Файл сервер – ДА! Шлюз – НЕТ!</a:t>
-            </a:r>
-          </a:p>
-          <a:p>
-            <a:pPr marL="514350" indent="-514350">
-              <a:buAutoNum type="arabicPeriod"/>
-            </a:pPr>
-            <a:r>
-              <a:rPr lang="ru-RU" dirty="0" smtClean="0"/>
-              <a:t>Скриншот шаблона:</a:t>
-            </a:r>
-          </a:p>
-        </p:txBody>
-      </p:sp>
       <p:pic>
         <p:nvPicPr>
-          <p:cNvPr id="4" name="Рисунок 3"/>
+          <p:cNvPr id="5" name="Объект 4"/>
           <p:cNvPicPr>
-            <a:picLocks noChangeAspect="1"/>
+            <a:picLocks noGrp="1" noChangeAspect="1"/>
           </p:cNvPicPr>
-          <p:nvPr/>
+          <p:nvPr>
+            <p:ph idx="1"/>
+          </p:nvPr>
         </p:nvPicPr>
         <p:blipFill>
-          <a:blip r:embed="rId2"/>
+          <a:blip r:embed="rId2">
+            <a:extLst>
+              <a:ext uri="{28A0092B-C50C-407E-A947-70E740481C1C}">
+                <a14:useLocalDpi xmlns:a14="http://schemas.microsoft.com/office/drawing/2010/main" val="0"/>
+              </a:ext>
+            </a:extLst>
+          </a:blip>
           <a:stretch>
             <a:fillRect/>
           </a:stretch>
         </p:blipFill>
         <p:spPr>
           <a:xfrm>
-            <a:off x="4998129" y="3223196"/>
-            <a:ext cx="6098958" cy="5746203"/>
+            <a:off x="2549817" y="1690688"/>
+            <a:ext cx="7092365" cy="6682153"/>
           </a:xfrm>
-          <a:prstGeom prst="rect">
-            <a:avLst/>
-          </a:prstGeom>
         </p:spPr>
       </p:pic>
     </p:spTree>
@@ -3654,89 +3567,35 @@
           </a:p>
         </p:txBody>
       </p:sp>
-      <p:sp>
-        <p:nvSpPr>
-          <p:cNvPr id="3" name="Объект 2"/>
-          <p:cNvSpPr>
-            <a:spLocks noGrp="1"/>
-          </p:cNvSpPr>
+      <p:pic>
+        <p:nvPicPr>
+          <p:cNvPr id="4" name="Объект 3"/>
+          <p:cNvPicPr>
+            <a:picLocks noGrp="1" noChangeAspect="1"/>
+          </p:cNvPicPr>
           <p:nvPr>
             <p:ph idx="1"/>
           </p:nvPr>
-        </p:nvSpPr>
-        <p:spPr/>
-        <p:txBody>
-          <a:bodyPr/>
-          <a:lstStyle/>
-          <a:p>
-            <a:pPr marL="0" indent="0">
-              <a:buNone/>
-            </a:pPr>
-            <a:r>
-              <a:rPr lang="ru-RU" dirty="0" smtClean="0"/>
-              <a:t>Картинку:</a:t>
-            </a:r>
-          </a:p>
-          <a:p>
-            <a:pPr marL="0" indent="0">
-              <a:buNone/>
-            </a:pPr>
-            <a:endParaRPr lang="ru-RU" dirty="0"/>
-          </a:p>
-          <a:p>
-            <a:pPr marL="0" indent="0">
-              <a:buNone/>
-            </a:pPr>
-            <a:r>
-              <a:rPr lang="en-US" dirty="0" err="1" smtClean="0"/>
-              <a:t>Zabbix</a:t>
-            </a:r>
-            <a:r>
-              <a:rPr lang="en-US" dirty="0" smtClean="0"/>
-              <a:t> 4.4 -&gt; </a:t>
-            </a:r>
-            <a:r>
-              <a:rPr lang="en-US" dirty="0" err="1" smtClean="0"/>
-              <a:t>Zabbix</a:t>
-            </a:r>
-            <a:r>
-              <a:rPr lang="en-US" dirty="0" smtClean="0"/>
-              <a:t> 5.0</a:t>
-            </a:r>
-          </a:p>
-          <a:p>
-            <a:pPr marL="0" indent="0">
-              <a:buNone/>
-            </a:pPr>
-            <a:r>
-              <a:rPr lang="en-US" dirty="0" smtClean="0"/>
-              <a:t>PostgreSQL 10 -&gt; PostgreSQL 12</a:t>
-            </a:r>
-          </a:p>
-          <a:p>
-            <a:pPr marL="0" indent="0">
-              <a:buNone/>
-            </a:pPr>
-            <a:r>
-              <a:rPr lang="en-US" dirty="0" err="1" smtClean="0"/>
-              <a:t>TimescaleDB</a:t>
-            </a:r>
-            <a:r>
-              <a:rPr lang="en-US" dirty="0" smtClean="0"/>
-              <a:t> 1.6.0 -&gt; </a:t>
-            </a:r>
-            <a:r>
-              <a:rPr lang="en-US" dirty="0" err="1" smtClean="0"/>
-              <a:t>TimescaleDB</a:t>
-            </a:r>
-            <a:r>
-              <a:rPr lang="en-US" dirty="0" smtClean="0"/>
-              <a:t> 1.7.0</a:t>
-            </a:r>
-            <a:endParaRPr lang="ru-RU" dirty="0"/>
-          </a:p>
-        </p:txBody>
-      </p:sp>
+        </p:nvPicPr>
+        <p:blipFill>
+          <a:blip r:embed="rId2">
+            <a:extLst>
+              <a:ext uri="{28A0092B-C50C-407E-A947-70E740481C1C}">
+                <a14:useLocalDpi xmlns:a14="http://schemas.microsoft.com/office/drawing/2010/main" val="0"/>
+              </a:ext>
+            </a:extLst>
+          </a:blip>
+          <a:stretch>
+            <a:fillRect/>
+          </a:stretch>
+        </p:blipFill>
+        <p:spPr>
+          <a:xfrm>
+            <a:off x="2832496" y="1825625"/>
+            <a:ext cx="6527007" cy="4351338"/>
+          </a:xfrm>
+        </p:spPr>
+      </p:pic>
     </p:spTree>
     <p:extLst>
       <p:ext uri="{BB962C8B-B14F-4D97-AF65-F5344CB8AC3E}">
@@ -4238,11 +4097,7 @@
           <a:p>
             <a:r>
               <a:rPr lang="ru-RU" dirty="0" smtClean="0"/>
-              <a:t>Тройка </a:t>
-            </a:r>
-            <a:r>
-              <a:rPr lang="ru-RU" dirty="0" smtClean="0"/>
-              <a:t>лидеров из рассмотренных вариантов.</a:t>
+              <a:t>Тройка лидеров из рассмотренных вариантов.</a:t>
             </a:r>
             <a:endParaRPr lang="ru-RU" dirty="0"/>
           </a:p>
@@ -4315,6 +4170,35 @@
           <a:chExt cx="0" cy="0"/>
         </a:xfrm>
       </p:grpSpPr>
+      <p:pic>
+        <p:nvPicPr>
+          <p:cNvPr id="4" name="Объект 3"/>
+          <p:cNvPicPr>
+            <a:picLocks noGrp="1" noChangeAspect="1"/>
+          </p:cNvPicPr>
+          <p:nvPr>
+            <p:ph idx="1"/>
+          </p:nvPr>
+        </p:nvPicPr>
+        <p:blipFill>
+          <a:blip r:embed="rId2" cstate="print">
+            <a:extLst>
+              <a:ext uri="{28A0092B-C50C-407E-A947-70E740481C1C}">
+                <a14:useLocalDpi xmlns:a14="http://schemas.microsoft.com/office/drawing/2010/main" val="0"/>
+              </a:ext>
+            </a:extLst>
+          </a:blip>
+          <a:stretch>
+            <a:fillRect/>
+          </a:stretch>
+        </p:blipFill>
+        <p:spPr>
+          <a:xfrm>
+            <a:off x="1084667" y="1091953"/>
+            <a:ext cx="11107333" cy="5353236"/>
+          </a:xfrm>
+        </p:spPr>
+      </p:pic>
       <p:sp>
         <p:nvSpPr>
           <p:cNvPr id="2" name="Заголовок 1"/>
@@ -4343,345 +4227,6 @@
           </a:p>
         </p:txBody>
       </p:sp>
-      <p:graphicFrame>
-        <p:nvGraphicFramePr>
-          <p:cNvPr id="6" name="Объект 5"/>
-          <p:cNvGraphicFramePr>
-            <a:graphicFrameLocks noGrp="1"/>
-          </p:cNvGraphicFramePr>
-          <p:nvPr>
-            <p:ph idx="1"/>
-            <p:extLst>
-              <p:ext uri="{D42A27DB-BD31-4B8C-83A1-F6EECF244321}">
-                <p14:modId xmlns:p14="http://schemas.microsoft.com/office/powerpoint/2010/main" val="1380797713"/>
-              </p:ext>
-            </p:extLst>
-          </p:nvPr>
-        </p:nvGraphicFramePr>
-        <p:xfrm>
-          <a:off x="838200" y="1825625"/>
-          <a:ext cx="10515600" cy="1798724"/>
-        </p:xfrm>
-        <a:graphic>
-          <a:graphicData uri="http://schemas.openxmlformats.org/drawingml/2006/table">
-            <a:tbl>
-              <a:tblPr firstRow="1" bandRow="1">
-                <a:tableStyleId>{5C22544A-7EE6-4342-B048-85BDC9FD1C3A}</a:tableStyleId>
-              </a:tblPr>
-              <a:tblGrid>
-                <a:gridCol w="2628900">
-                  <a:extLst>
-                    <a:ext uri="{9D8B030D-6E8A-4147-A177-3AD203B41FA5}">
-                      <a16:colId xmlns:a16="http://schemas.microsoft.com/office/drawing/2014/main" val="2850982515"/>
-                    </a:ext>
-                  </a:extLst>
-                </a:gridCol>
-                <a:gridCol w="2628900">
-                  <a:extLst>
-                    <a:ext uri="{9D8B030D-6E8A-4147-A177-3AD203B41FA5}">
-                      <a16:colId xmlns:a16="http://schemas.microsoft.com/office/drawing/2014/main" val="3655349334"/>
-                    </a:ext>
-                  </a:extLst>
-                </a:gridCol>
-                <a:gridCol w="2628900">
-                  <a:extLst>
-                    <a:ext uri="{9D8B030D-6E8A-4147-A177-3AD203B41FA5}">
-                      <a16:colId xmlns:a16="http://schemas.microsoft.com/office/drawing/2014/main" val="714793353"/>
-                    </a:ext>
-                  </a:extLst>
-                </a:gridCol>
-                <a:gridCol w="2628900">
-                  <a:extLst>
-                    <a:ext uri="{9D8B030D-6E8A-4147-A177-3AD203B41FA5}">
-                      <a16:colId xmlns:a16="http://schemas.microsoft.com/office/drawing/2014/main" val="1328345295"/>
-                    </a:ext>
-                  </a:extLst>
-                </a:gridCol>
-              </a:tblGrid>
-              <a:tr h="370840">
-                <a:tc>
-                  <a:txBody>
-                    <a:bodyPr/>
-                    <a:lstStyle/>
-                    <a:p>
-                      <a:pPr algn="l"/>
-                      <a:r>
-                        <a:rPr lang="ru-RU" dirty="0" smtClean="0"/>
-                        <a:t>Основные различия</a:t>
-                      </a:r>
-                      <a:endParaRPr lang="ru-RU" dirty="0"/>
-                    </a:p>
-                  </a:txBody>
-                  <a:tcPr/>
-                </a:tc>
-                <a:tc>
-                  <a:txBody>
-                    <a:bodyPr/>
-                    <a:lstStyle/>
-                    <a:p>
-                      <a:pPr algn="ctr"/>
-                      <a:r>
-                        <a:rPr lang="en-US" dirty="0" err="1" smtClean="0"/>
-                        <a:t>Zabbix</a:t>
-                      </a:r>
-                      <a:r>
-                        <a:rPr lang="en-US" dirty="0" smtClean="0"/>
-                        <a:t> 4.3</a:t>
-                      </a:r>
-                      <a:endParaRPr lang="ru-RU" dirty="0"/>
-                    </a:p>
-                  </a:txBody>
-                  <a:tcPr/>
-                </a:tc>
-                <a:tc>
-                  <a:txBody>
-                    <a:bodyPr/>
-                    <a:lstStyle/>
-                    <a:p>
-                      <a:pPr algn="ctr"/>
-                      <a:r>
-                        <a:rPr lang="en-US" dirty="0" err="1" smtClean="0"/>
-                        <a:t>InfluxData</a:t>
-                      </a:r>
-                      <a:endParaRPr lang="ru-RU" dirty="0"/>
-                    </a:p>
-                  </a:txBody>
-                  <a:tcPr/>
-                </a:tc>
-                <a:tc>
-                  <a:txBody>
-                    <a:bodyPr/>
-                    <a:lstStyle/>
-                    <a:p>
-                      <a:pPr algn="ctr"/>
-                      <a:r>
-                        <a:rPr lang="en-US" dirty="0" smtClean="0"/>
-                        <a:t>Prometheus</a:t>
-                      </a:r>
-                      <a:endParaRPr lang="ru-RU" dirty="0"/>
-                    </a:p>
-                  </a:txBody>
-                  <a:tcPr/>
-                </a:tc>
-                <a:extLst>
-                  <a:ext uri="{0D108BD9-81ED-4DB2-BD59-A6C34878D82A}">
-                    <a16:rowId xmlns:a16="http://schemas.microsoft.com/office/drawing/2014/main" val="3617861586"/>
-                  </a:ext>
-                </a:extLst>
-              </a:tr>
-              <a:tr h="370840">
-                <a:tc>
-                  <a:txBody>
-                    <a:bodyPr/>
-                    <a:lstStyle/>
-                    <a:p>
-                      <a:pPr algn="l"/>
-                      <a:r>
-                        <a:rPr lang="en-US" dirty="0" smtClean="0"/>
-                        <a:t>SQL</a:t>
-                      </a:r>
-                      <a:endParaRPr lang="ru-RU" dirty="0"/>
-                    </a:p>
-                  </a:txBody>
-                  <a:tcPr/>
-                </a:tc>
-                <a:tc>
-                  <a:txBody>
-                    <a:bodyPr/>
-                    <a:lstStyle/>
-                    <a:p>
-                      <a:pPr algn="ctr"/>
-                      <a:r>
-                        <a:rPr lang="en-US" dirty="0" smtClean="0"/>
-                        <a:t>+</a:t>
-                      </a:r>
-                      <a:endParaRPr lang="ru-RU" dirty="0"/>
-                    </a:p>
-                  </a:txBody>
-                  <a:tcPr/>
-                </a:tc>
-                <a:tc>
-                  <a:txBody>
-                    <a:bodyPr/>
-                    <a:lstStyle/>
-                    <a:p>
-                      <a:pPr algn="ctr"/>
-                      <a:r>
-                        <a:rPr lang="en-US" dirty="0" smtClean="0"/>
-                        <a:t>-</a:t>
-                      </a:r>
-                      <a:endParaRPr lang="ru-RU" dirty="0"/>
-                    </a:p>
-                  </a:txBody>
-                  <a:tcPr/>
-                </a:tc>
-                <a:tc>
-                  <a:txBody>
-                    <a:bodyPr/>
-                    <a:lstStyle/>
-                    <a:p>
-                      <a:pPr algn="ctr"/>
-                      <a:r>
-                        <a:rPr lang="en-US" dirty="0" smtClean="0"/>
-                        <a:t>-</a:t>
-                      </a:r>
-                      <a:endParaRPr lang="ru-RU" dirty="0"/>
-                    </a:p>
-                  </a:txBody>
-                  <a:tcPr/>
-                </a:tc>
-                <a:extLst>
-                  <a:ext uri="{0D108BD9-81ED-4DB2-BD59-A6C34878D82A}">
-                    <a16:rowId xmlns:a16="http://schemas.microsoft.com/office/drawing/2014/main" val="2966893168"/>
-                  </a:ext>
-                </a:extLst>
-              </a:tr>
-              <a:tr h="370840">
-                <a:tc>
-                  <a:txBody>
-                    <a:bodyPr/>
-                    <a:lstStyle/>
-                    <a:p>
-                      <a:pPr algn="l"/>
-                      <a:r>
-                        <a:rPr lang="ru-RU" dirty="0" smtClean="0"/>
-                        <a:t>Простота</a:t>
-                      </a:r>
-                      <a:r>
-                        <a:rPr lang="ru-RU" baseline="0" dirty="0" smtClean="0"/>
-                        <a:t> поддержки</a:t>
-                      </a:r>
-                      <a:endParaRPr lang="ru-RU" dirty="0"/>
-                    </a:p>
-                  </a:txBody>
-                  <a:tcPr/>
-                </a:tc>
-                <a:tc>
-                  <a:txBody>
-                    <a:bodyPr/>
-                    <a:lstStyle/>
-                    <a:p>
-                      <a:pPr algn="ctr"/>
-                      <a:r>
-                        <a:rPr lang="ru-RU" dirty="0" smtClean="0"/>
-                        <a:t>+</a:t>
-                      </a:r>
-                      <a:endParaRPr lang="ru-RU" dirty="0"/>
-                    </a:p>
-                  </a:txBody>
-                  <a:tcPr/>
-                </a:tc>
-                <a:tc>
-                  <a:txBody>
-                    <a:bodyPr/>
-                    <a:lstStyle/>
-                    <a:p>
-                      <a:pPr algn="ctr"/>
-                      <a:r>
-                        <a:rPr lang="ru-RU" dirty="0" smtClean="0"/>
-                        <a:t>-</a:t>
-                      </a:r>
-                      <a:endParaRPr lang="ru-RU" dirty="0"/>
-                    </a:p>
-                  </a:txBody>
-                  <a:tcPr/>
-                </a:tc>
-                <a:tc>
-                  <a:txBody>
-                    <a:bodyPr/>
-                    <a:lstStyle/>
-                    <a:p>
-                      <a:pPr algn="ctr"/>
-                      <a:r>
-                        <a:rPr lang="ru-RU" dirty="0" smtClean="0"/>
-                        <a:t>-</a:t>
-                      </a:r>
-                      <a:endParaRPr lang="ru-RU" dirty="0"/>
-                    </a:p>
-                  </a:txBody>
-                  <a:tcPr/>
-                </a:tc>
-                <a:extLst>
-                  <a:ext uri="{0D108BD9-81ED-4DB2-BD59-A6C34878D82A}">
-                    <a16:rowId xmlns:a16="http://schemas.microsoft.com/office/drawing/2014/main" val="3055056165"/>
-                  </a:ext>
-                </a:extLst>
-              </a:tr>
-              <a:tr h="686204">
-                <a:tc>
-                  <a:txBody>
-                    <a:bodyPr/>
-                    <a:lstStyle/>
-                    <a:p>
-                      <a:pPr algn="l"/>
-                      <a:r>
-                        <a:rPr lang="ru-RU" dirty="0" smtClean="0"/>
-                        <a:t>Поддержка</a:t>
-                      </a:r>
-                      <a:r>
-                        <a:rPr lang="ru-RU" baseline="0" dirty="0" smtClean="0"/>
-                        <a:t> баз данных временных рядов</a:t>
-                      </a:r>
-                      <a:endParaRPr lang="ru-RU" dirty="0"/>
-                    </a:p>
-                  </a:txBody>
-                  <a:tcPr/>
-                </a:tc>
-                <a:tc>
-                  <a:txBody>
-                    <a:bodyPr/>
-                    <a:lstStyle/>
-                    <a:p>
-                      <a:pPr algn="ctr"/>
-                      <a:r>
-                        <a:rPr lang="ru-RU" dirty="0" smtClean="0"/>
-                        <a:t>-</a:t>
-                      </a:r>
-                      <a:endParaRPr lang="ru-RU" dirty="0"/>
-                    </a:p>
-                  </a:txBody>
-                  <a:tcPr/>
-                </a:tc>
-                <a:tc>
-                  <a:txBody>
-                    <a:bodyPr/>
-                    <a:lstStyle/>
-                    <a:p>
-                      <a:pPr algn="ctr"/>
-                      <a:r>
-                        <a:rPr lang="ru-RU" dirty="0" smtClean="0"/>
-                        <a:t>+</a:t>
-                      </a:r>
-                      <a:endParaRPr lang="ru-RU" dirty="0"/>
-                    </a:p>
-                  </a:txBody>
-                  <a:tcPr/>
-                </a:tc>
-                <a:tc>
-                  <a:txBody>
-                    <a:bodyPr/>
-                    <a:lstStyle/>
-                    <a:p>
-                      <a:pPr algn="ctr"/>
-                      <a:r>
-                        <a:rPr lang="ru-RU" dirty="0" smtClean="0"/>
-                        <a:t>+</a:t>
-                      </a:r>
-                      <a:endParaRPr lang="ru-RU" dirty="0"/>
-                    </a:p>
-                  </a:txBody>
-                  <a:tcPr/>
-                </a:tc>
-                <a:extLst>
-                  <a:ext uri="{0D108BD9-81ED-4DB2-BD59-A6C34878D82A}">
-                    <a16:rowId xmlns:a16="http://schemas.microsoft.com/office/drawing/2014/main" val="3860441858"/>
-                  </a:ext>
-                </a:extLst>
-              </a:tr>
-            </a:tbl>
-          </a:graphicData>
-        </a:graphic>
-      </p:graphicFrame>
       <p:sp>
         <p:nvSpPr>
           <p:cNvPr id="7" name="Заголовок 1"/>
@@ -4723,14 +4268,6 @@
             </a:lvl1pPr>
           </a:lstStyle>
           <a:p>
-            <a:r>
-              <a:rPr lang="en-US" dirty="0" smtClean="0"/>
-              <a:t>#</a:t>
-            </a:r>
-            <a:r>
-              <a:rPr lang="ru-RU" dirty="0" smtClean="0"/>
-              <a:t>Хочу нарисовать картинку красивую</a:t>
-            </a:r>
             <a:endParaRPr lang="ru-RU" dirty="0"/>
           </a:p>
         </p:txBody>
@@ -4772,6 +4309,35 @@
           <a:chExt cx="0" cy="0"/>
         </a:xfrm>
       </p:grpSpPr>
+      <p:pic>
+        <p:nvPicPr>
+          <p:cNvPr id="4" name="Объект 3"/>
+          <p:cNvPicPr>
+            <a:picLocks noGrp="1" noChangeAspect="1"/>
+          </p:cNvPicPr>
+          <p:nvPr>
+            <p:ph idx="1"/>
+          </p:nvPr>
+        </p:nvPicPr>
+        <p:blipFill>
+          <a:blip r:embed="rId2" cstate="print">
+            <a:extLst>
+              <a:ext uri="{28A0092B-C50C-407E-A947-70E740481C1C}">
+                <a14:useLocalDpi xmlns:a14="http://schemas.microsoft.com/office/drawing/2010/main" val="0"/>
+              </a:ext>
+            </a:extLst>
+          </a:blip>
+          <a:stretch>
+            <a:fillRect/>
+          </a:stretch>
+        </p:blipFill>
+        <p:spPr>
+          <a:xfrm>
+            <a:off x="1022450" y="1065320"/>
+            <a:ext cx="11177079" cy="5386850"/>
+          </a:xfrm>
+        </p:spPr>
+      </p:pic>
       <p:sp>
         <p:nvSpPr>
           <p:cNvPr id="2" name="Заголовок 1"/>
@@ -4800,365 +4366,6 @@
           </a:p>
         </p:txBody>
       </p:sp>
-      <p:graphicFrame>
-        <p:nvGraphicFramePr>
-          <p:cNvPr id="6" name="Объект 5"/>
-          <p:cNvGraphicFramePr>
-            <a:graphicFrameLocks noGrp="1"/>
-          </p:cNvGraphicFramePr>
-          <p:nvPr>
-            <p:ph idx="1"/>
-            <p:extLst>
-              <p:ext uri="{D42A27DB-BD31-4B8C-83A1-F6EECF244321}">
-                <p14:modId xmlns:p14="http://schemas.microsoft.com/office/powerpoint/2010/main" val="3644901323"/>
-              </p:ext>
-            </p:extLst>
-          </p:nvPr>
-        </p:nvGraphicFramePr>
-        <p:xfrm>
-          <a:off x="838200" y="1825625"/>
-          <a:ext cx="10515600" cy="1798724"/>
-        </p:xfrm>
-        <a:graphic>
-          <a:graphicData uri="http://schemas.openxmlformats.org/drawingml/2006/table">
-            <a:tbl>
-              <a:tblPr firstRow="1" bandRow="1">
-                <a:tableStyleId>{5C22544A-7EE6-4342-B048-85BDC9FD1C3A}</a:tableStyleId>
-              </a:tblPr>
-              <a:tblGrid>
-                <a:gridCol w="2628900">
-                  <a:extLst>
-                    <a:ext uri="{9D8B030D-6E8A-4147-A177-3AD203B41FA5}">
-                      <a16:colId xmlns:a16="http://schemas.microsoft.com/office/drawing/2014/main" val="2850982515"/>
-                    </a:ext>
-                  </a:extLst>
-                </a:gridCol>
-                <a:gridCol w="2628900">
-                  <a:extLst>
-                    <a:ext uri="{9D8B030D-6E8A-4147-A177-3AD203B41FA5}">
-                      <a16:colId xmlns:a16="http://schemas.microsoft.com/office/drawing/2014/main" val="3655349334"/>
-                    </a:ext>
-                  </a:extLst>
-                </a:gridCol>
-                <a:gridCol w="2628900">
-                  <a:extLst>
-                    <a:ext uri="{9D8B030D-6E8A-4147-A177-3AD203B41FA5}">
-                      <a16:colId xmlns:a16="http://schemas.microsoft.com/office/drawing/2014/main" val="714793353"/>
-                    </a:ext>
-                  </a:extLst>
-                </a:gridCol>
-                <a:gridCol w="2628900">
-                  <a:extLst>
-                    <a:ext uri="{9D8B030D-6E8A-4147-A177-3AD203B41FA5}">
-                      <a16:colId xmlns:a16="http://schemas.microsoft.com/office/drawing/2014/main" val="1328345295"/>
-                    </a:ext>
-                  </a:extLst>
-                </a:gridCol>
-              </a:tblGrid>
-              <a:tr h="370840">
-                <a:tc>
-                  <a:txBody>
-                    <a:bodyPr/>
-                    <a:lstStyle/>
-                    <a:p>
-                      <a:pPr algn="l"/>
-                      <a:r>
-                        <a:rPr lang="ru-RU" dirty="0" smtClean="0"/>
-                        <a:t>Основные различия</a:t>
-                      </a:r>
-                      <a:endParaRPr lang="ru-RU" dirty="0"/>
-                    </a:p>
-                  </a:txBody>
-                  <a:tcPr/>
-                </a:tc>
-                <a:tc>
-                  <a:txBody>
-                    <a:bodyPr/>
-                    <a:lstStyle/>
-                    <a:p>
-                      <a:pPr algn="ctr"/>
-                      <a:r>
-                        <a:rPr lang="en-US" dirty="0" err="1" smtClean="0"/>
-                        <a:t>Zabbix</a:t>
-                      </a:r>
-                      <a:r>
-                        <a:rPr lang="en-US" dirty="0" smtClean="0"/>
-                        <a:t> </a:t>
-                      </a:r>
-                      <a:r>
-                        <a:rPr lang="en-US" dirty="0" smtClean="0">
-                          <a:solidFill>
-                            <a:srgbClr val="FF0000"/>
-                          </a:solidFill>
-                        </a:rPr>
-                        <a:t>4.4</a:t>
-                      </a:r>
-                      <a:endParaRPr lang="ru-RU" dirty="0">
-                        <a:solidFill>
-                          <a:srgbClr val="FF0000"/>
-                        </a:solidFill>
-                      </a:endParaRPr>
-                    </a:p>
-                  </a:txBody>
-                  <a:tcPr/>
-                </a:tc>
-                <a:tc>
-                  <a:txBody>
-                    <a:bodyPr/>
-                    <a:lstStyle/>
-                    <a:p>
-                      <a:pPr algn="ctr"/>
-                      <a:r>
-                        <a:rPr lang="en-US" dirty="0" err="1" smtClean="0"/>
-                        <a:t>InfluxData</a:t>
-                      </a:r>
-                      <a:endParaRPr lang="ru-RU" dirty="0"/>
-                    </a:p>
-                  </a:txBody>
-                  <a:tcPr/>
-                </a:tc>
-                <a:tc>
-                  <a:txBody>
-                    <a:bodyPr/>
-                    <a:lstStyle/>
-                    <a:p>
-                      <a:pPr algn="ctr"/>
-                      <a:r>
-                        <a:rPr lang="en-US" dirty="0" smtClean="0"/>
-                        <a:t>Prometheus</a:t>
-                      </a:r>
-                      <a:endParaRPr lang="ru-RU" dirty="0"/>
-                    </a:p>
-                  </a:txBody>
-                  <a:tcPr/>
-                </a:tc>
-                <a:extLst>
-                  <a:ext uri="{0D108BD9-81ED-4DB2-BD59-A6C34878D82A}">
-                    <a16:rowId xmlns:a16="http://schemas.microsoft.com/office/drawing/2014/main" val="3617861586"/>
-                  </a:ext>
-                </a:extLst>
-              </a:tr>
-              <a:tr h="370840">
-                <a:tc>
-                  <a:txBody>
-                    <a:bodyPr/>
-                    <a:lstStyle/>
-                    <a:p>
-                      <a:pPr algn="l"/>
-                      <a:r>
-                        <a:rPr lang="en-US" dirty="0" smtClean="0"/>
-                        <a:t>SQL</a:t>
-                      </a:r>
-                      <a:endParaRPr lang="ru-RU" dirty="0"/>
-                    </a:p>
-                  </a:txBody>
-                  <a:tcPr/>
-                </a:tc>
-                <a:tc>
-                  <a:txBody>
-                    <a:bodyPr/>
-                    <a:lstStyle/>
-                    <a:p>
-                      <a:pPr algn="ctr"/>
-                      <a:r>
-                        <a:rPr lang="en-US" dirty="0" smtClean="0"/>
-                        <a:t>+</a:t>
-                      </a:r>
-                      <a:endParaRPr lang="ru-RU" dirty="0"/>
-                    </a:p>
-                  </a:txBody>
-                  <a:tcPr/>
-                </a:tc>
-                <a:tc>
-                  <a:txBody>
-                    <a:bodyPr/>
-                    <a:lstStyle/>
-                    <a:p>
-                      <a:pPr algn="ctr"/>
-                      <a:r>
-                        <a:rPr lang="en-US" dirty="0" smtClean="0"/>
-                        <a:t>-</a:t>
-                      </a:r>
-                      <a:endParaRPr lang="ru-RU" dirty="0"/>
-                    </a:p>
-                  </a:txBody>
-                  <a:tcPr/>
-                </a:tc>
-                <a:tc>
-                  <a:txBody>
-                    <a:bodyPr/>
-                    <a:lstStyle/>
-                    <a:p>
-                      <a:pPr algn="ctr"/>
-                      <a:r>
-                        <a:rPr lang="en-US" dirty="0" smtClean="0"/>
-                        <a:t>-</a:t>
-                      </a:r>
-                      <a:endParaRPr lang="ru-RU" dirty="0"/>
-                    </a:p>
-                  </a:txBody>
-                  <a:tcPr/>
-                </a:tc>
-                <a:extLst>
-                  <a:ext uri="{0D108BD9-81ED-4DB2-BD59-A6C34878D82A}">
-                    <a16:rowId xmlns:a16="http://schemas.microsoft.com/office/drawing/2014/main" val="2966893168"/>
-                  </a:ext>
-                </a:extLst>
-              </a:tr>
-              <a:tr h="370840">
-                <a:tc>
-                  <a:txBody>
-                    <a:bodyPr/>
-                    <a:lstStyle/>
-                    <a:p>
-                      <a:pPr algn="l"/>
-                      <a:r>
-                        <a:rPr lang="ru-RU" dirty="0" smtClean="0"/>
-                        <a:t>Простота</a:t>
-                      </a:r>
-                      <a:r>
-                        <a:rPr lang="ru-RU" baseline="0" dirty="0" smtClean="0"/>
-                        <a:t> поддержки</a:t>
-                      </a:r>
-                      <a:endParaRPr lang="ru-RU" dirty="0"/>
-                    </a:p>
-                  </a:txBody>
-                  <a:tcPr/>
-                </a:tc>
-                <a:tc>
-                  <a:txBody>
-                    <a:bodyPr/>
-                    <a:lstStyle/>
-                    <a:p>
-                      <a:pPr algn="ctr"/>
-                      <a:r>
-                        <a:rPr lang="ru-RU" dirty="0" smtClean="0"/>
-                        <a:t>+</a:t>
-                      </a:r>
-                      <a:endParaRPr lang="ru-RU" dirty="0"/>
-                    </a:p>
-                  </a:txBody>
-                  <a:tcPr/>
-                </a:tc>
-                <a:tc>
-                  <a:txBody>
-                    <a:bodyPr/>
-                    <a:lstStyle/>
-                    <a:p>
-                      <a:pPr algn="ctr"/>
-                      <a:r>
-                        <a:rPr lang="ru-RU" dirty="0" smtClean="0"/>
-                        <a:t>-</a:t>
-                      </a:r>
-                      <a:endParaRPr lang="ru-RU" dirty="0"/>
-                    </a:p>
-                  </a:txBody>
-                  <a:tcPr/>
-                </a:tc>
-                <a:tc>
-                  <a:txBody>
-                    <a:bodyPr/>
-                    <a:lstStyle/>
-                    <a:p>
-                      <a:pPr algn="ctr"/>
-                      <a:r>
-                        <a:rPr lang="ru-RU" dirty="0" smtClean="0"/>
-                        <a:t>-</a:t>
-                      </a:r>
-                      <a:endParaRPr lang="ru-RU" dirty="0"/>
-                    </a:p>
-                  </a:txBody>
-                  <a:tcPr/>
-                </a:tc>
-                <a:extLst>
-                  <a:ext uri="{0D108BD9-81ED-4DB2-BD59-A6C34878D82A}">
-                    <a16:rowId xmlns:a16="http://schemas.microsoft.com/office/drawing/2014/main" val="3055056165"/>
-                  </a:ext>
-                </a:extLst>
-              </a:tr>
-              <a:tr h="686204">
-                <a:tc>
-                  <a:txBody>
-                    <a:bodyPr/>
-                    <a:lstStyle/>
-                    <a:p>
-                      <a:pPr algn="l"/>
-                      <a:r>
-                        <a:rPr lang="ru-RU" dirty="0" smtClean="0"/>
-                        <a:t>Поддержка</a:t>
-                      </a:r>
-                      <a:r>
-                        <a:rPr lang="ru-RU" baseline="0" dirty="0" smtClean="0"/>
-                        <a:t> баз данных временных рядов</a:t>
-                      </a:r>
-                      <a:endParaRPr lang="ru-RU" dirty="0"/>
-                    </a:p>
-                  </a:txBody>
-                  <a:tcPr/>
-                </a:tc>
-                <a:tc>
-                  <a:txBody>
-                    <a:bodyPr/>
-                    <a:lstStyle/>
-                    <a:p>
-                      <a:pPr algn="ctr"/>
-                      <a:r>
-                        <a:rPr lang="en-US" dirty="0" smtClean="0">
-                          <a:solidFill>
-                            <a:srgbClr val="FF0000"/>
-                          </a:solidFill>
-                        </a:rPr>
-                        <a:t>+</a:t>
-                      </a:r>
-                      <a:endParaRPr lang="ru-RU" dirty="0">
-                        <a:solidFill>
-                          <a:srgbClr val="FF0000"/>
-                        </a:solidFill>
-                      </a:endParaRPr>
-                    </a:p>
-                  </a:txBody>
-                  <a:tcPr/>
-                </a:tc>
-                <a:tc>
-                  <a:txBody>
-                    <a:bodyPr/>
-                    <a:lstStyle/>
-                    <a:p>
-                      <a:pPr algn="ctr"/>
-                      <a:r>
-                        <a:rPr lang="ru-RU" dirty="0" smtClean="0"/>
-                        <a:t>+</a:t>
-                      </a:r>
-                      <a:endParaRPr lang="ru-RU" dirty="0"/>
-                    </a:p>
-                  </a:txBody>
-                  <a:tcPr/>
-                </a:tc>
-                <a:tc>
-                  <a:txBody>
-                    <a:bodyPr/>
-                    <a:lstStyle/>
-                    <a:p>
-                      <a:pPr algn="ctr"/>
-                      <a:r>
-                        <a:rPr lang="ru-RU" dirty="0" smtClean="0"/>
-                        <a:t>+</a:t>
-                      </a:r>
-                      <a:endParaRPr lang="ru-RU" dirty="0"/>
-                    </a:p>
-                  </a:txBody>
-                  <a:tcPr/>
-                </a:tc>
-                <a:extLst>
-                  <a:ext uri="{0D108BD9-81ED-4DB2-BD59-A6C34878D82A}">
-                    <a16:rowId xmlns:a16="http://schemas.microsoft.com/office/drawing/2014/main" val="3860441858"/>
-                  </a:ext>
-                </a:extLst>
-              </a:tr>
-            </a:tbl>
-          </a:graphicData>
-        </a:graphic>
-      </p:graphicFrame>
       <p:sp>
         <p:nvSpPr>
           <p:cNvPr id="7" name="Заголовок 1"/>
@@ -5200,14 +4407,6 @@
             </a:lvl1pPr>
           </a:lstStyle>
           <a:p>
-            <a:r>
-              <a:rPr lang="en-US" dirty="0" smtClean="0"/>
-              <a:t>#</a:t>
-            </a:r>
-            <a:r>
-              <a:rPr lang="ru-RU" dirty="0" smtClean="0"/>
-              <a:t>Хочу нарисовать картинку красивую</a:t>
-            </a:r>
             <a:endParaRPr lang="ru-RU" dirty="0"/>
           </a:p>
         </p:txBody>
@@ -5457,31 +4656,31 @@
       </p:sp>
       <p:pic>
         <p:nvPicPr>
-          <p:cNvPr id="4" name="Объект 3"/>
+          <p:cNvPr id="5" name="Рисунок 4"/>
           <p:cNvPicPr>
-            <a:picLocks noGrp="1" noChangeAspect="1"/>
+            <a:picLocks noChangeAspect="1"/>
           </p:cNvPicPr>
-          <p:nvPr>
-            <p:ph idx="1"/>
-          </p:nvPr>
+          <p:nvPr/>
         </p:nvPicPr>
         <p:blipFill>
-          <a:blip r:embed="rId2">
-            <a:extLst>
-              <a:ext uri="{28A0092B-C50C-407E-A947-70E740481C1C}">
-                <a14:useLocalDpi xmlns:a14="http://schemas.microsoft.com/office/drawing/2010/main" val="0"/>
-              </a:ext>
-            </a:extLst>
-          </a:blip>
+          <a:blip r:embed="rId2"/>
           <a:stretch>
             <a:fillRect/>
           </a:stretch>
         </p:blipFill>
         <p:spPr>
           <a:xfrm>
-            <a:off x="2875755" y="1690688"/>
-            <a:ext cx="6800436" cy="4059961"/>
+            <a:off x="2928045" y="1911519"/>
+            <a:ext cx="6335909" cy="4001009"/>
           </a:xfrm>
+          <a:prstGeom prst="rect">
+            <a:avLst/>
+          </a:prstGeom>
+          <a:ln>
+            <a:solidFill>
+              <a:schemeClr val="tx1"/>
+            </a:solidFill>
+          </a:ln>
         </p:spPr>
       </p:pic>
     </p:spTree>

--- a/Презентация к защите.pptx
+++ b/Презентация к защите.pptx
@@ -18,9 +18,16 @@
     <p:sldId id="271" r:id="rId12"/>
     <p:sldId id="263" r:id="rId13"/>
     <p:sldId id="269" r:id="rId14"/>
-    <p:sldId id="272" r:id="rId15"/>
-    <p:sldId id="264" r:id="rId16"/>
+    <p:sldId id="264" r:id="rId15"/>
+    <p:sldId id="272" r:id="rId16"/>
     <p:sldId id="273" r:id="rId17"/>
+    <p:sldId id="274" r:id="rId18"/>
+    <p:sldId id="275" r:id="rId19"/>
+    <p:sldId id="276" r:id="rId20"/>
+    <p:sldId id="277" r:id="rId21"/>
+    <p:sldId id="278" r:id="rId22"/>
+    <p:sldId id="279" r:id="rId23"/>
+    <p:sldId id="280" r:id="rId24"/>
   </p:sldIdLst>
   <p:sldSz cx="12192000" cy="6858000"/>
   <p:notesSz cx="6858000" cy="9144000"/>
@@ -3635,37 +3642,6 @@
       </p:grpSpPr>
       <p:sp>
         <p:nvSpPr>
-          <p:cNvPr id="2" name="Заголовок 1"/>
-          <p:cNvSpPr>
-            <a:spLocks noGrp="1"/>
-          </p:cNvSpPr>
-          <p:nvPr>
-            <p:ph type="title"/>
-          </p:nvPr>
-        </p:nvSpPr>
-        <p:spPr/>
-        <p:txBody>
-          <a:bodyPr/>
-          <a:lstStyle/>
-          <a:p>
-            <a:r>
-              <a:rPr lang="en-US" dirty="0" smtClean="0"/>
-              <a:t>//</a:t>
-            </a:r>
-            <a:r>
-              <a:rPr lang="ru-RU" dirty="0" smtClean="0"/>
-              <a:t>Слайды со скриншотами </a:t>
-            </a:r>
-            <a:r>
-              <a:rPr lang="en-US" dirty="0" smtClean="0"/>
-              <a:t>zbx.ftip.ru</a:t>
-            </a:r>
-            <a:endParaRPr lang="ru-RU" dirty="0"/>
-          </a:p>
-        </p:txBody>
-      </p:sp>
-      <p:sp>
-        <p:nvSpPr>
           <p:cNvPr id="3" name="Объект 2"/>
           <p:cNvSpPr>
             <a:spLocks noGrp="1"/>
@@ -3674,19 +3650,33 @@
             <p:ph idx="1"/>
           </p:nvPr>
         </p:nvSpPr>
-        <p:spPr/>
-        <p:txBody>
-          <a:bodyPr/>
-          <a:lstStyle/>
-          <a:p>
-            <a:endParaRPr lang="ru-RU"/>
+        <p:spPr>
+          <a:xfrm>
+            <a:off x="838200" y="1853852"/>
+            <a:ext cx="10515600" cy="4323111"/>
+          </a:xfrm>
+        </p:spPr>
+        <p:txBody>
+          <a:bodyPr>
+            <a:normAutofit/>
+          </a:bodyPr>
+          <a:lstStyle/>
+          <a:p>
+            <a:pPr marL="0" indent="0" algn="ctr">
+              <a:buNone/>
+            </a:pPr>
+            <a:r>
+              <a:rPr lang="ru-RU" sz="8000" dirty="0" smtClean="0"/>
+              <a:t>Спасибо за Ваше внимание!</a:t>
+            </a:r>
+            <a:endParaRPr lang="ru-RU" sz="8000" dirty="0"/>
           </a:p>
         </p:txBody>
       </p:sp>
     </p:spTree>
     <p:extLst>
       <p:ext uri="{BB962C8B-B14F-4D97-AF65-F5344CB8AC3E}">
-        <p14:creationId xmlns:p14="http://schemas.microsoft.com/office/powerpoint/2010/main" val="2296112598"/>
+        <p14:creationId xmlns:p14="http://schemas.microsoft.com/office/powerpoint/2010/main" val="2200965739"/>
       </p:ext>
     </p:extLst>
   </p:cSld>
@@ -3722,41 +3712,60 @@
       </p:grpSpPr>
       <p:sp>
         <p:nvSpPr>
-          <p:cNvPr id="3" name="Объект 2"/>
-          <p:cNvSpPr>
-            <a:spLocks noGrp="1"/>
-          </p:cNvSpPr>
+          <p:cNvPr id="2" name="Заголовок 1"/>
+          <p:cNvSpPr>
+            <a:spLocks noGrp="1"/>
+          </p:cNvSpPr>
+          <p:nvPr>
+            <p:ph type="title"/>
+          </p:nvPr>
+        </p:nvSpPr>
+        <p:spPr/>
+        <p:txBody>
+          <a:bodyPr/>
+          <a:lstStyle/>
+          <a:p>
+            <a:r>
+              <a:rPr lang="ru-RU" dirty="0" smtClean="0"/>
+              <a:t>Основная панель</a:t>
+            </a:r>
+            <a:endParaRPr lang="ru-RU" dirty="0"/>
+          </a:p>
+        </p:txBody>
+      </p:sp>
+      <p:pic>
+        <p:nvPicPr>
+          <p:cNvPr id="4" name="Объект 3"/>
+          <p:cNvPicPr>
+            <a:picLocks noGrp="1" noChangeAspect="1"/>
+          </p:cNvPicPr>
           <p:nvPr>
             <p:ph idx="1"/>
           </p:nvPr>
-        </p:nvSpPr>
+        </p:nvPicPr>
+        <p:blipFill>
+          <a:blip r:embed="rId2">
+            <a:extLst>
+              <a:ext uri="{28A0092B-C50C-407E-A947-70E740481C1C}">
+                <a14:useLocalDpi xmlns:a14="http://schemas.microsoft.com/office/drawing/2010/main" val="0"/>
+              </a:ext>
+            </a:extLst>
+          </a:blip>
+          <a:stretch>
+            <a:fillRect/>
+          </a:stretch>
+        </p:blipFill>
         <p:spPr>
           <a:xfrm>
-            <a:off x="838200" y="1853852"/>
-            <a:ext cx="10515600" cy="4323111"/>
+            <a:off x="1392083" y="1825625"/>
+            <a:ext cx="9407833" cy="4351338"/>
           </a:xfrm>
         </p:spPr>
-        <p:txBody>
-          <a:bodyPr>
-            <a:normAutofit/>
-          </a:bodyPr>
-          <a:lstStyle/>
-          <a:p>
-            <a:pPr marL="0" indent="0" algn="ctr">
-              <a:buNone/>
-            </a:pPr>
-            <a:r>
-              <a:rPr lang="ru-RU" sz="8000" dirty="0" smtClean="0"/>
-              <a:t>Спасибо за Ваше внимание!</a:t>
-            </a:r>
-            <a:endParaRPr lang="ru-RU" sz="8000" dirty="0"/>
-          </a:p>
-        </p:txBody>
-      </p:sp>
+      </p:pic>
     </p:spTree>
     <p:extLst>
       <p:ext uri="{BB962C8B-B14F-4D97-AF65-F5344CB8AC3E}">
-        <p14:creationId xmlns:p14="http://schemas.microsoft.com/office/powerpoint/2010/main" val="2200965739"/>
+        <p14:creationId xmlns:p14="http://schemas.microsoft.com/office/powerpoint/2010/main" val="2296112598"/>
       </p:ext>
     </p:extLst>
   </p:cSld>
@@ -3807,31 +3816,41 @@
           <a:p>
             <a:r>
               <a:rPr lang="ru-RU" dirty="0" smtClean="0"/>
-              <a:t>Запасные слайды</a:t>
+              <a:t>Узлы к мониторингу</a:t>
             </a:r>
             <a:endParaRPr lang="ru-RU" dirty="0"/>
           </a:p>
         </p:txBody>
       </p:sp>
-      <p:sp>
-        <p:nvSpPr>
-          <p:cNvPr id="3" name="Объект 2"/>
-          <p:cNvSpPr>
-            <a:spLocks noGrp="1"/>
-          </p:cNvSpPr>
+      <p:pic>
+        <p:nvPicPr>
+          <p:cNvPr id="4" name="Объект 3"/>
+          <p:cNvPicPr>
+            <a:picLocks noGrp="1" noChangeAspect="1"/>
+          </p:cNvPicPr>
           <p:nvPr>
             <p:ph idx="1"/>
           </p:nvPr>
-        </p:nvSpPr>
-        <p:spPr/>
-        <p:txBody>
-          <a:bodyPr/>
-          <a:lstStyle/>
-          <a:p>
-            <a:endParaRPr lang="ru-RU" dirty="0"/>
-          </a:p>
-        </p:txBody>
-      </p:sp>
+        </p:nvPicPr>
+        <p:blipFill>
+          <a:blip r:embed="rId2">
+            <a:extLst>
+              <a:ext uri="{28A0092B-C50C-407E-A947-70E740481C1C}">
+                <a14:useLocalDpi xmlns:a14="http://schemas.microsoft.com/office/drawing/2010/main" val="0"/>
+              </a:ext>
+            </a:extLst>
+          </a:blip>
+          <a:stretch>
+            <a:fillRect/>
+          </a:stretch>
+        </p:blipFill>
+        <p:spPr>
+          <a:xfrm>
+            <a:off x="1175918" y="1825625"/>
+            <a:ext cx="9840163" cy="4351338"/>
+          </a:xfrm>
+        </p:spPr>
+      </p:pic>
     </p:spTree>
     <p:extLst>
       <p:ext uri="{BB962C8B-B14F-4D97-AF65-F5344CB8AC3E}">
@@ -3852,6 +3871,257 @@
 </p:sld>
 </file>
 
+<file path=ppt/slides/slide17.xml><?xml version="1.0" encoding="utf-8"?>
+<p:sld xmlns:a="http://schemas.openxmlformats.org/drawingml/2006/main" xmlns:r="http://schemas.openxmlformats.org/officeDocument/2006/relationships" xmlns:p="http://schemas.openxmlformats.org/presentationml/2006/main">
+  <p:cSld>
+    <p:spTree>
+      <p:nvGrpSpPr>
+        <p:cNvPr id="1" name=""/>
+        <p:cNvGrpSpPr/>
+        <p:nvPr/>
+      </p:nvGrpSpPr>
+      <p:grpSpPr>
+        <a:xfrm>
+          <a:off x="0" y="0"/>
+          <a:ext cx="0" cy="0"/>
+          <a:chOff x="0" y="0"/>
+          <a:chExt cx="0" cy="0"/>
+        </a:xfrm>
+      </p:grpSpPr>
+      <p:sp>
+        <p:nvSpPr>
+          <p:cNvPr id="2" name="Заголовок 1"/>
+          <p:cNvSpPr>
+            <a:spLocks noGrp="1"/>
+          </p:cNvSpPr>
+          <p:nvPr>
+            <p:ph type="title"/>
+          </p:nvPr>
+        </p:nvSpPr>
+        <p:spPr>
+          <a:xfrm>
+            <a:off x="0" y="365125"/>
+            <a:ext cx="12192000" cy="1325563"/>
+          </a:xfrm>
+        </p:spPr>
+        <p:txBody>
+          <a:bodyPr/>
+          <a:lstStyle/>
+          <a:p>
+            <a:r>
+              <a:rPr lang="ru-RU" dirty="0" smtClean="0"/>
+              <a:t>Пример собираемых данных с порта коммутатора</a:t>
+            </a:r>
+            <a:endParaRPr lang="ru-RU" dirty="0"/>
+          </a:p>
+        </p:txBody>
+      </p:sp>
+      <p:pic>
+        <p:nvPicPr>
+          <p:cNvPr id="4" name="Объект 3"/>
+          <p:cNvPicPr>
+            <a:picLocks noGrp="1" noChangeAspect="1"/>
+          </p:cNvPicPr>
+          <p:nvPr>
+            <p:ph idx="1"/>
+          </p:nvPr>
+        </p:nvPicPr>
+        <p:blipFill>
+          <a:blip r:embed="rId2">
+            <a:extLst>
+              <a:ext uri="{28A0092B-C50C-407E-A947-70E740481C1C}">
+                <a14:useLocalDpi xmlns:a14="http://schemas.microsoft.com/office/drawing/2010/main" val="0"/>
+              </a:ext>
+            </a:extLst>
+          </a:blip>
+          <a:stretch>
+            <a:fillRect/>
+          </a:stretch>
+        </p:blipFill>
+        <p:spPr>
+          <a:xfrm>
+            <a:off x="1501385" y="1825625"/>
+            <a:ext cx="9189230" cy="4351338"/>
+          </a:xfrm>
+        </p:spPr>
+      </p:pic>
+    </p:spTree>
+    <p:extLst>
+      <p:ext uri="{BB962C8B-B14F-4D97-AF65-F5344CB8AC3E}">
+        <p14:creationId xmlns:p14="http://schemas.microsoft.com/office/powerpoint/2010/main" val="836174869"/>
+      </p:ext>
+    </p:extLst>
+  </p:cSld>
+  <p:clrMapOvr>
+    <a:masterClrMapping/>
+  </p:clrMapOvr>
+</p:sld>
+</file>
+
+<file path=ppt/slides/slide18.xml><?xml version="1.0" encoding="utf-8"?>
+<p:sld xmlns:a="http://schemas.openxmlformats.org/drawingml/2006/main" xmlns:r="http://schemas.openxmlformats.org/officeDocument/2006/relationships" xmlns:p="http://schemas.openxmlformats.org/presentationml/2006/main">
+  <p:cSld>
+    <p:spTree>
+      <p:nvGrpSpPr>
+        <p:cNvPr id="1" name=""/>
+        <p:cNvGrpSpPr/>
+        <p:nvPr/>
+      </p:nvGrpSpPr>
+      <p:grpSpPr>
+        <a:xfrm>
+          <a:off x="0" y="0"/>
+          <a:ext cx="0" cy="0"/>
+          <a:chOff x="0" y="0"/>
+          <a:chExt cx="0" cy="0"/>
+        </a:xfrm>
+      </p:grpSpPr>
+      <p:sp>
+        <p:nvSpPr>
+          <p:cNvPr id="2" name="Заголовок 1"/>
+          <p:cNvSpPr>
+            <a:spLocks noGrp="1"/>
+          </p:cNvSpPr>
+          <p:nvPr>
+            <p:ph type="title"/>
+          </p:nvPr>
+        </p:nvSpPr>
+        <p:spPr/>
+        <p:txBody>
+          <a:bodyPr/>
+          <a:lstStyle/>
+          <a:p>
+            <a:r>
+              <a:rPr lang="ru-RU" dirty="0" smtClean="0"/>
+              <a:t>Услуги</a:t>
+            </a:r>
+            <a:endParaRPr lang="ru-RU" dirty="0"/>
+          </a:p>
+        </p:txBody>
+      </p:sp>
+      <p:pic>
+        <p:nvPicPr>
+          <p:cNvPr id="4" name="Объект 3"/>
+          <p:cNvPicPr>
+            <a:picLocks noGrp="1" noChangeAspect="1"/>
+          </p:cNvPicPr>
+          <p:nvPr>
+            <p:ph idx="1"/>
+          </p:nvPr>
+        </p:nvPicPr>
+        <p:blipFill>
+          <a:blip r:embed="rId2">
+            <a:extLst>
+              <a:ext uri="{28A0092B-C50C-407E-A947-70E740481C1C}">
+                <a14:useLocalDpi xmlns:a14="http://schemas.microsoft.com/office/drawing/2010/main" val="0"/>
+              </a:ext>
+            </a:extLst>
+          </a:blip>
+          <a:stretch>
+            <a:fillRect/>
+          </a:stretch>
+        </p:blipFill>
+        <p:spPr>
+          <a:xfrm>
+            <a:off x="743139" y="2895600"/>
+            <a:ext cx="10610661" cy="2191752"/>
+          </a:xfrm>
+        </p:spPr>
+      </p:pic>
+    </p:spTree>
+    <p:extLst>
+      <p:ext uri="{BB962C8B-B14F-4D97-AF65-F5344CB8AC3E}">
+        <p14:creationId xmlns:p14="http://schemas.microsoft.com/office/powerpoint/2010/main" val="1730956931"/>
+      </p:ext>
+    </p:extLst>
+  </p:cSld>
+  <p:clrMapOvr>
+    <a:masterClrMapping/>
+  </p:clrMapOvr>
+</p:sld>
+</file>
+
+<file path=ppt/slides/slide19.xml><?xml version="1.0" encoding="utf-8"?>
+<p:sld xmlns:a="http://schemas.openxmlformats.org/drawingml/2006/main" xmlns:r="http://schemas.openxmlformats.org/officeDocument/2006/relationships" xmlns:p="http://schemas.openxmlformats.org/presentationml/2006/main">
+  <p:cSld>
+    <p:spTree>
+      <p:nvGrpSpPr>
+        <p:cNvPr id="1" name=""/>
+        <p:cNvGrpSpPr/>
+        <p:nvPr/>
+      </p:nvGrpSpPr>
+      <p:grpSpPr>
+        <a:xfrm>
+          <a:off x="0" y="0"/>
+          <a:ext cx="0" cy="0"/>
+          <a:chOff x="0" y="0"/>
+          <a:chExt cx="0" cy="0"/>
+        </a:xfrm>
+      </p:grpSpPr>
+      <p:sp>
+        <p:nvSpPr>
+          <p:cNvPr id="2" name="Заголовок 1"/>
+          <p:cNvSpPr>
+            <a:spLocks noGrp="1"/>
+          </p:cNvSpPr>
+          <p:nvPr>
+            <p:ph type="title"/>
+          </p:nvPr>
+        </p:nvSpPr>
+        <p:spPr/>
+        <p:txBody>
+          <a:bodyPr/>
+          <a:lstStyle/>
+          <a:p>
+            <a:r>
+              <a:rPr lang="ru-RU" dirty="0" smtClean="0"/>
+              <a:t>Способы доставки уведомлений</a:t>
+            </a:r>
+            <a:endParaRPr lang="ru-RU" dirty="0"/>
+          </a:p>
+        </p:txBody>
+      </p:sp>
+      <p:pic>
+        <p:nvPicPr>
+          <p:cNvPr id="4" name="Объект 3"/>
+          <p:cNvPicPr>
+            <a:picLocks noGrp="1" noChangeAspect="1"/>
+          </p:cNvPicPr>
+          <p:nvPr>
+            <p:ph idx="1"/>
+          </p:nvPr>
+        </p:nvPicPr>
+        <p:blipFill>
+          <a:blip r:embed="rId2">
+            <a:extLst>
+              <a:ext uri="{28A0092B-C50C-407E-A947-70E740481C1C}">
+                <a14:useLocalDpi xmlns:a14="http://schemas.microsoft.com/office/drawing/2010/main" val="0"/>
+              </a:ext>
+            </a:extLst>
+          </a:blip>
+          <a:stretch>
+            <a:fillRect/>
+          </a:stretch>
+        </p:blipFill>
+        <p:spPr>
+          <a:xfrm>
+            <a:off x="4519786" y="1825625"/>
+            <a:ext cx="3152427" cy="4351338"/>
+          </a:xfrm>
+        </p:spPr>
+      </p:pic>
+    </p:spTree>
+    <p:extLst>
+      <p:ext uri="{BB962C8B-B14F-4D97-AF65-F5344CB8AC3E}">
+        <p14:creationId xmlns:p14="http://schemas.microsoft.com/office/powerpoint/2010/main" val="3227021024"/>
+      </p:ext>
+    </p:extLst>
+  </p:cSld>
+  <p:clrMapOvr>
+    <a:masterClrMapping/>
+  </p:clrMapOvr>
+</p:sld>
+</file>
+
 <file path=ppt/slides/slide2.xml><?xml version="1.0" encoding="utf-8"?>
 <p:sld xmlns:a="http://schemas.openxmlformats.org/drawingml/2006/main" xmlns:r="http://schemas.openxmlformats.org/officeDocument/2006/relationships" xmlns:p="http://schemas.openxmlformats.org/presentationml/2006/main">
   <p:cSld>
@@ -3937,6 +4207,344 @@
 </p:sld>
 </file>
 
+<file path=ppt/slides/slide20.xml><?xml version="1.0" encoding="utf-8"?>
+<p:sld xmlns:a="http://schemas.openxmlformats.org/drawingml/2006/main" xmlns:r="http://schemas.openxmlformats.org/officeDocument/2006/relationships" xmlns:p="http://schemas.openxmlformats.org/presentationml/2006/main">
+  <p:cSld>
+    <p:spTree>
+      <p:nvGrpSpPr>
+        <p:cNvPr id="1" name=""/>
+        <p:cNvGrpSpPr/>
+        <p:nvPr/>
+      </p:nvGrpSpPr>
+      <p:grpSpPr>
+        <a:xfrm>
+          <a:off x="0" y="0"/>
+          <a:ext cx="0" cy="0"/>
+          <a:chOff x="0" y="0"/>
+          <a:chExt cx="0" cy="0"/>
+        </a:xfrm>
+      </p:grpSpPr>
+      <p:sp>
+        <p:nvSpPr>
+          <p:cNvPr id="2" name="Заголовок 1"/>
+          <p:cNvSpPr>
+            <a:spLocks noGrp="1"/>
+          </p:cNvSpPr>
+          <p:nvPr>
+            <p:ph type="title"/>
+          </p:nvPr>
+        </p:nvSpPr>
+        <p:spPr/>
+        <p:txBody>
+          <a:bodyPr/>
+          <a:lstStyle/>
+          <a:p>
+            <a:r>
+              <a:rPr lang="ru-RU" dirty="0" smtClean="0"/>
+              <a:t>Пример ошибки на комплексном экране</a:t>
+            </a:r>
+            <a:endParaRPr lang="ru-RU" dirty="0"/>
+          </a:p>
+        </p:txBody>
+      </p:sp>
+      <p:pic>
+        <p:nvPicPr>
+          <p:cNvPr id="4" name="Объект 3"/>
+          <p:cNvPicPr>
+            <a:picLocks noGrp="1" noChangeAspect="1"/>
+          </p:cNvPicPr>
+          <p:nvPr>
+            <p:ph idx="1"/>
+          </p:nvPr>
+        </p:nvPicPr>
+        <p:blipFill>
+          <a:blip r:embed="rId2">
+            <a:extLst>
+              <a:ext uri="{28A0092B-C50C-407E-A947-70E740481C1C}">
+                <a14:useLocalDpi xmlns:a14="http://schemas.microsoft.com/office/drawing/2010/main" val="0"/>
+              </a:ext>
+            </a:extLst>
+          </a:blip>
+          <a:stretch>
+            <a:fillRect/>
+          </a:stretch>
+        </p:blipFill>
+        <p:spPr>
+          <a:xfrm>
+            <a:off x="838200" y="1856925"/>
+            <a:ext cx="10515600" cy="4288737"/>
+          </a:xfrm>
+        </p:spPr>
+      </p:pic>
+    </p:spTree>
+    <p:extLst>
+      <p:ext uri="{BB962C8B-B14F-4D97-AF65-F5344CB8AC3E}">
+        <p14:creationId xmlns:p14="http://schemas.microsoft.com/office/powerpoint/2010/main" val="4186046283"/>
+      </p:ext>
+    </p:extLst>
+  </p:cSld>
+  <p:clrMapOvr>
+    <a:masterClrMapping/>
+  </p:clrMapOvr>
+</p:sld>
+</file>
+
+<file path=ppt/slides/slide21.xml><?xml version="1.0" encoding="utf-8"?>
+<p:sld xmlns:a="http://schemas.openxmlformats.org/drawingml/2006/main" xmlns:r="http://schemas.openxmlformats.org/officeDocument/2006/relationships" xmlns:p="http://schemas.openxmlformats.org/presentationml/2006/main">
+  <p:cSld>
+    <p:spTree>
+      <p:nvGrpSpPr>
+        <p:cNvPr id="1" name=""/>
+        <p:cNvGrpSpPr/>
+        <p:nvPr/>
+      </p:nvGrpSpPr>
+      <p:grpSpPr>
+        <a:xfrm>
+          <a:off x="0" y="0"/>
+          <a:ext cx="0" cy="0"/>
+          <a:chOff x="0" y="0"/>
+          <a:chExt cx="0" cy="0"/>
+        </a:xfrm>
+      </p:grpSpPr>
+      <p:sp>
+        <p:nvSpPr>
+          <p:cNvPr id="2" name="Заголовок 1"/>
+          <p:cNvSpPr>
+            <a:spLocks noGrp="1"/>
+          </p:cNvSpPr>
+          <p:nvPr>
+            <p:ph type="title"/>
+          </p:nvPr>
+        </p:nvSpPr>
+        <p:spPr>
+          <a:xfrm>
+            <a:off x="622300" y="365125"/>
+            <a:ext cx="11239500" cy="1325563"/>
+          </a:xfrm>
+        </p:spPr>
+        <p:txBody>
+          <a:bodyPr/>
+          <a:lstStyle/>
+          <a:p>
+            <a:r>
+              <a:rPr lang="ru-RU" dirty="0" smtClean="0"/>
+              <a:t>Пример проблемы на терминальном сервере</a:t>
+            </a:r>
+            <a:endParaRPr lang="ru-RU" dirty="0"/>
+          </a:p>
+        </p:txBody>
+      </p:sp>
+      <p:pic>
+        <p:nvPicPr>
+          <p:cNvPr id="4" name="Объект 3"/>
+          <p:cNvPicPr>
+            <a:picLocks noGrp="1" noChangeAspect="1"/>
+          </p:cNvPicPr>
+          <p:nvPr>
+            <p:ph idx="1"/>
+          </p:nvPr>
+        </p:nvPicPr>
+        <p:blipFill>
+          <a:blip r:embed="rId2">
+            <a:extLst>
+              <a:ext uri="{28A0092B-C50C-407E-A947-70E740481C1C}">
+                <a14:useLocalDpi xmlns:a14="http://schemas.microsoft.com/office/drawing/2010/main" val="0"/>
+              </a:ext>
+            </a:extLst>
+          </a:blip>
+          <a:stretch>
+            <a:fillRect/>
+          </a:stretch>
+        </p:blipFill>
+        <p:spPr>
+          <a:xfrm>
+            <a:off x="1575413" y="1825625"/>
+            <a:ext cx="9041173" cy="4351338"/>
+          </a:xfrm>
+        </p:spPr>
+      </p:pic>
+    </p:spTree>
+    <p:extLst>
+      <p:ext uri="{BB962C8B-B14F-4D97-AF65-F5344CB8AC3E}">
+        <p14:creationId xmlns:p14="http://schemas.microsoft.com/office/powerpoint/2010/main" val="2505257593"/>
+      </p:ext>
+    </p:extLst>
+  </p:cSld>
+  <p:clrMapOvr>
+    <a:masterClrMapping/>
+  </p:clrMapOvr>
+</p:sld>
+</file>
+
+<file path=ppt/slides/slide22.xml><?xml version="1.0" encoding="utf-8"?>
+<p:sld xmlns:a="http://schemas.openxmlformats.org/drawingml/2006/main" xmlns:r="http://schemas.openxmlformats.org/officeDocument/2006/relationships" xmlns:p="http://schemas.openxmlformats.org/presentationml/2006/main">
+  <p:cSld>
+    <p:spTree>
+      <p:nvGrpSpPr>
+        <p:cNvPr id="1" name=""/>
+        <p:cNvGrpSpPr/>
+        <p:nvPr/>
+      </p:nvGrpSpPr>
+      <p:grpSpPr>
+        <a:xfrm>
+          <a:off x="0" y="0"/>
+          <a:ext cx="0" cy="0"/>
+          <a:chOff x="0" y="0"/>
+          <a:chExt cx="0" cy="0"/>
+        </a:xfrm>
+      </p:grpSpPr>
+      <p:sp>
+        <p:nvSpPr>
+          <p:cNvPr id="2" name="Заголовок 1"/>
+          <p:cNvSpPr>
+            <a:spLocks noGrp="1"/>
+          </p:cNvSpPr>
+          <p:nvPr>
+            <p:ph type="title"/>
+          </p:nvPr>
+        </p:nvSpPr>
+        <p:spPr/>
+        <p:txBody>
+          <a:bodyPr/>
+          <a:lstStyle/>
+          <a:p>
+            <a:r>
+              <a:rPr lang="ru-RU" dirty="0" smtClean="0"/>
+              <a:t>Пример ошибки на веб сервере</a:t>
+            </a:r>
+            <a:endParaRPr lang="ru-RU" dirty="0"/>
+          </a:p>
+        </p:txBody>
+      </p:sp>
+      <p:pic>
+        <p:nvPicPr>
+          <p:cNvPr id="4" name="Объект 3"/>
+          <p:cNvPicPr>
+            <a:picLocks noGrp="1" noChangeAspect="1"/>
+          </p:cNvPicPr>
+          <p:nvPr>
+            <p:ph idx="1"/>
+          </p:nvPr>
+        </p:nvPicPr>
+        <p:blipFill>
+          <a:blip r:embed="rId2">
+            <a:extLst>
+              <a:ext uri="{28A0092B-C50C-407E-A947-70E740481C1C}">
+                <a14:useLocalDpi xmlns:a14="http://schemas.microsoft.com/office/drawing/2010/main" val="0"/>
+              </a:ext>
+            </a:extLst>
+          </a:blip>
+          <a:stretch>
+            <a:fillRect/>
+          </a:stretch>
+        </p:blipFill>
+        <p:spPr>
+          <a:xfrm>
+            <a:off x="838200" y="2096570"/>
+            <a:ext cx="10515600" cy="3809448"/>
+          </a:xfrm>
+        </p:spPr>
+      </p:pic>
+    </p:spTree>
+    <p:extLst>
+      <p:ext uri="{BB962C8B-B14F-4D97-AF65-F5344CB8AC3E}">
+        <p14:creationId xmlns:p14="http://schemas.microsoft.com/office/powerpoint/2010/main" val="2290349531"/>
+      </p:ext>
+    </p:extLst>
+  </p:cSld>
+  <p:clrMapOvr>
+    <a:masterClrMapping/>
+  </p:clrMapOvr>
+</p:sld>
+</file>
+
+<file path=ppt/slides/slide23.xml><?xml version="1.0" encoding="utf-8"?>
+<p:sld xmlns:a="http://schemas.openxmlformats.org/drawingml/2006/main" xmlns:r="http://schemas.openxmlformats.org/officeDocument/2006/relationships" xmlns:p="http://schemas.openxmlformats.org/presentationml/2006/main">
+  <p:cSld>
+    <p:spTree>
+      <p:nvGrpSpPr>
+        <p:cNvPr id="1" name=""/>
+        <p:cNvGrpSpPr/>
+        <p:nvPr/>
+      </p:nvGrpSpPr>
+      <p:grpSpPr>
+        <a:xfrm>
+          <a:off x="0" y="0"/>
+          <a:ext cx="0" cy="0"/>
+          <a:chOff x="0" y="0"/>
+          <a:chExt cx="0" cy="0"/>
+        </a:xfrm>
+      </p:grpSpPr>
+      <p:sp>
+        <p:nvSpPr>
+          <p:cNvPr id="2" name="Заголовок 1"/>
+          <p:cNvSpPr>
+            <a:spLocks noGrp="1"/>
+          </p:cNvSpPr>
+          <p:nvPr>
+            <p:ph type="title"/>
+          </p:nvPr>
+        </p:nvSpPr>
+        <p:spPr>
+          <a:xfrm>
+            <a:off x="279400" y="339725"/>
+            <a:ext cx="10515600" cy="1325563"/>
+          </a:xfrm>
+        </p:spPr>
+        <p:txBody>
+          <a:bodyPr/>
+          <a:lstStyle/>
+          <a:p>
+            <a:r>
+              <a:rPr lang="ru-RU" dirty="0" smtClean="0"/>
+              <a:t>Интерактивная карта сети</a:t>
+            </a:r>
+            <a:endParaRPr lang="ru-RU" dirty="0"/>
+          </a:p>
+        </p:txBody>
+      </p:sp>
+      <p:pic>
+        <p:nvPicPr>
+          <p:cNvPr id="4" name="Объект 3"/>
+          <p:cNvPicPr>
+            <a:picLocks noGrp="1" noChangeAspect="1"/>
+          </p:cNvPicPr>
+          <p:nvPr>
+            <p:ph idx="1"/>
+          </p:nvPr>
+        </p:nvPicPr>
+        <p:blipFill>
+          <a:blip r:embed="rId2">
+            <a:extLst>
+              <a:ext uri="{28A0092B-C50C-407E-A947-70E740481C1C}">
+                <a14:useLocalDpi xmlns:a14="http://schemas.microsoft.com/office/drawing/2010/main" val="0"/>
+              </a:ext>
+            </a:extLst>
+          </a:blip>
+          <a:stretch>
+            <a:fillRect/>
+          </a:stretch>
+        </p:blipFill>
+        <p:spPr>
+          <a:xfrm>
+            <a:off x="3716185" y="1384300"/>
+            <a:ext cx="4513415" cy="5372099"/>
+          </a:xfrm>
+        </p:spPr>
+      </p:pic>
+    </p:spTree>
+    <p:extLst>
+      <p:ext uri="{BB962C8B-B14F-4D97-AF65-F5344CB8AC3E}">
+        <p14:creationId xmlns:p14="http://schemas.microsoft.com/office/powerpoint/2010/main" val="110395686"/>
+      </p:ext>
+    </p:extLst>
+  </p:cSld>
+  <p:clrMapOvr>
+    <a:masterClrMapping/>
+  </p:clrMapOvr>
+</p:sld>
+</file>
+
 <file path=ppt/slides/slide3.xml><?xml version="1.0" encoding="utf-8"?>
 <p:sld xmlns:a="http://schemas.openxmlformats.org/drawingml/2006/main" xmlns:r="http://schemas.openxmlformats.org/officeDocument/2006/relationships" xmlns:p="http://schemas.openxmlformats.org/presentationml/2006/main">
   <p:cSld>
@@ -3971,12 +4579,15 @@
           <a:p>
             <a:r>
               <a:rPr lang="ru-RU" dirty="0" smtClean="0">
-                <a:latin typeface="Times New Roman" panose="02020603050405020304" pitchFamily="18" charset="0"/>
-                <a:cs typeface="Times New Roman" panose="02020603050405020304" pitchFamily="18" charset="0"/>
+                <a:latin typeface="Calibri Light" panose="020F0302020204030204" pitchFamily="34" charset="0"/>
+                <a:cs typeface="Calibri Light" panose="020F0302020204030204" pitchFamily="34" charset="0"/>
               </a:rPr>
               <a:t>Вопросы, подлежащие разработке:</a:t>
             </a:r>
-            <a:endParaRPr lang="ru-RU" dirty="0"/>
+            <a:endParaRPr lang="ru-RU" dirty="0">
+              <a:latin typeface="Calibri Light" panose="020F0302020204030204" pitchFamily="34" charset="0"/>
+              <a:cs typeface="Calibri Light" panose="020F0302020204030204" pitchFamily="34" charset="0"/>
+            </a:endParaRPr>
           </a:p>
         </p:txBody>
       </p:sp>

--- a/Презентация к защите.pptx
+++ b/Презентация к защите.pptx
@@ -18,16 +18,17 @@
     <p:sldId id="271" r:id="rId12"/>
     <p:sldId id="263" r:id="rId13"/>
     <p:sldId id="269" r:id="rId14"/>
-    <p:sldId id="264" r:id="rId15"/>
+    <p:sldId id="281" r:id="rId15"/>
     <p:sldId id="272" r:id="rId16"/>
-    <p:sldId id="273" r:id="rId17"/>
+    <p:sldId id="280" r:id="rId17"/>
     <p:sldId id="274" r:id="rId18"/>
     <p:sldId id="275" r:id="rId19"/>
-    <p:sldId id="276" r:id="rId20"/>
-    <p:sldId id="277" r:id="rId21"/>
-    <p:sldId id="278" r:id="rId22"/>
-    <p:sldId id="279" r:id="rId23"/>
-    <p:sldId id="280" r:id="rId24"/>
+    <p:sldId id="277" r:id="rId20"/>
+    <p:sldId id="278" r:id="rId21"/>
+    <p:sldId id="279" r:id="rId22"/>
+    <p:sldId id="264" r:id="rId23"/>
+    <p:sldId id="276" r:id="rId24"/>
+    <p:sldId id="273" r:id="rId25"/>
   </p:sldIdLst>
   <p:sldSz cx="12192000" cy="6858000"/>
   <p:notesSz cx="6858000" cy="9144000"/>
@@ -265,7 +266,7 @@
           <a:p>
             <a:fld id="{83C144EA-FF68-4958-AB72-904C0726E3A1}" type="datetimeFigureOut">
               <a:rPr lang="ru-RU" smtClean="0"/>
-              <a:t>18.06.2020</a:t>
+              <a:t>21.06.2020</a:t>
             </a:fld>
             <a:endParaRPr lang="ru-RU"/>
           </a:p>
@@ -435,7 +436,7 @@
           <a:p>
             <a:fld id="{83C144EA-FF68-4958-AB72-904C0726E3A1}" type="datetimeFigureOut">
               <a:rPr lang="ru-RU" smtClean="0"/>
-              <a:t>18.06.2020</a:t>
+              <a:t>21.06.2020</a:t>
             </a:fld>
             <a:endParaRPr lang="ru-RU"/>
           </a:p>
@@ -615,7 +616,7 @@
           <a:p>
             <a:fld id="{83C144EA-FF68-4958-AB72-904C0726E3A1}" type="datetimeFigureOut">
               <a:rPr lang="ru-RU" smtClean="0"/>
-              <a:t>18.06.2020</a:t>
+              <a:t>21.06.2020</a:t>
             </a:fld>
             <a:endParaRPr lang="ru-RU"/>
           </a:p>
@@ -785,7 +786,7 @@
           <a:p>
             <a:fld id="{83C144EA-FF68-4958-AB72-904C0726E3A1}" type="datetimeFigureOut">
               <a:rPr lang="ru-RU" smtClean="0"/>
-              <a:t>18.06.2020</a:t>
+              <a:t>21.06.2020</a:t>
             </a:fld>
             <a:endParaRPr lang="ru-RU"/>
           </a:p>
@@ -1031,7 +1032,7 @@
           <a:p>
             <a:fld id="{83C144EA-FF68-4958-AB72-904C0726E3A1}" type="datetimeFigureOut">
               <a:rPr lang="ru-RU" smtClean="0"/>
-              <a:t>18.06.2020</a:t>
+              <a:t>21.06.2020</a:t>
             </a:fld>
             <a:endParaRPr lang="ru-RU"/>
           </a:p>
@@ -1263,7 +1264,7 @@
           <a:p>
             <a:fld id="{83C144EA-FF68-4958-AB72-904C0726E3A1}" type="datetimeFigureOut">
               <a:rPr lang="ru-RU" smtClean="0"/>
-              <a:t>18.06.2020</a:t>
+              <a:t>21.06.2020</a:t>
             </a:fld>
             <a:endParaRPr lang="ru-RU"/>
           </a:p>
@@ -1630,7 +1631,7 @@
           <a:p>
             <a:fld id="{83C144EA-FF68-4958-AB72-904C0726E3A1}" type="datetimeFigureOut">
               <a:rPr lang="ru-RU" smtClean="0"/>
-              <a:t>18.06.2020</a:t>
+              <a:t>21.06.2020</a:t>
             </a:fld>
             <a:endParaRPr lang="ru-RU"/>
           </a:p>
@@ -1748,7 +1749,7 @@
           <a:p>
             <a:fld id="{83C144EA-FF68-4958-AB72-904C0726E3A1}" type="datetimeFigureOut">
               <a:rPr lang="ru-RU" smtClean="0"/>
-              <a:t>18.06.2020</a:t>
+              <a:t>21.06.2020</a:t>
             </a:fld>
             <a:endParaRPr lang="ru-RU"/>
           </a:p>
@@ -1843,7 +1844,7 @@
           <a:p>
             <a:fld id="{83C144EA-FF68-4958-AB72-904C0726E3A1}" type="datetimeFigureOut">
               <a:rPr lang="ru-RU" smtClean="0"/>
-              <a:t>18.06.2020</a:t>
+              <a:t>21.06.2020</a:t>
             </a:fld>
             <a:endParaRPr lang="ru-RU"/>
           </a:p>
@@ -2120,7 +2121,7 @@
           <a:p>
             <a:fld id="{83C144EA-FF68-4958-AB72-904C0726E3A1}" type="datetimeFigureOut">
               <a:rPr lang="ru-RU" smtClean="0"/>
-              <a:t>18.06.2020</a:t>
+              <a:t>21.06.2020</a:t>
             </a:fld>
             <a:endParaRPr lang="ru-RU"/>
           </a:p>
@@ -2373,7 +2374,7 @@
           <a:p>
             <a:fld id="{83C144EA-FF68-4958-AB72-904C0726E3A1}" type="datetimeFigureOut">
               <a:rPr lang="ru-RU" smtClean="0"/>
-              <a:t>18.06.2020</a:t>
+              <a:t>21.06.2020</a:t>
             </a:fld>
             <a:endParaRPr lang="ru-RU"/>
           </a:p>
@@ -2586,7 +2587,7 @@
           <a:p>
             <a:fld id="{83C144EA-FF68-4958-AB72-904C0726E3A1}" type="datetimeFigureOut">
               <a:rPr lang="ru-RU" smtClean="0"/>
-              <a:t>18.06.2020</a:t>
+              <a:t>21.06.2020</a:t>
             </a:fld>
             <a:endParaRPr lang="ru-RU"/>
           </a:p>
@@ -3642,6 +3643,29 @@
       </p:grpSpPr>
       <p:sp>
         <p:nvSpPr>
+          <p:cNvPr id="2" name="Заголовок 1"/>
+          <p:cNvSpPr>
+            <a:spLocks noGrp="1"/>
+          </p:cNvSpPr>
+          <p:nvPr>
+            <p:ph type="title"/>
+          </p:nvPr>
+        </p:nvSpPr>
+        <p:spPr/>
+        <p:txBody>
+          <a:bodyPr/>
+          <a:lstStyle/>
+          <a:p>
+            <a:r>
+              <a:rPr lang="ru-RU" dirty="0" smtClean="0"/>
+              <a:t>Итоговая конфигурация</a:t>
+            </a:r>
+            <a:endParaRPr lang="ru-RU" dirty="0"/>
+          </a:p>
+        </p:txBody>
+      </p:sp>
+      <p:sp>
+        <p:nvSpPr>
           <p:cNvPr id="3" name="Объект 2"/>
           <p:cNvSpPr>
             <a:spLocks noGrp="1"/>
@@ -3650,46 +3674,25 @@
             <p:ph idx="1"/>
           </p:nvPr>
         </p:nvSpPr>
-        <p:spPr>
-          <a:xfrm>
-            <a:off x="838200" y="1853852"/>
-            <a:ext cx="10515600" cy="4323111"/>
-          </a:xfrm>
-        </p:spPr>
-        <p:txBody>
-          <a:bodyPr>
-            <a:normAutofit/>
-          </a:bodyPr>
-          <a:lstStyle/>
-          <a:p>
-            <a:pPr marL="0" indent="0" algn="ctr">
-              <a:buNone/>
-            </a:pPr>
-            <a:r>
-              <a:rPr lang="ru-RU" sz="8000" dirty="0" smtClean="0"/>
-              <a:t>Спасибо за Ваше внимание!</a:t>
-            </a:r>
-            <a:endParaRPr lang="ru-RU" sz="8000" dirty="0"/>
+        <p:spPr/>
+        <p:txBody>
+          <a:bodyPr/>
+          <a:lstStyle/>
+          <a:p>
+            <a:endParaRPr lang="ru-RU"/>
           </a:p>
         </p:txBody>
       </p:sp>
     </p:spTree>
     <p:extLst>
       <p:ext uri="{BB962C8B-B14F-4D97-AF65-F5344CB8AC3E}">
-        <p14:creationId xmlns:p14="http://schemas.microsoft.com/office/powerpoint/2010/main" val="2200965739"/>
+        <p14:creationId xmlns:p14="http://schemas.microsoft.com/office/powerpoint/2010/main" val="3536036399"/>
       </p:ext>
     </p:extLst>
   </p:cSld>
   <p:clrMapOvr>
     <a:masterClrMapping/>
   </p:clrMapOvr>
-  <p:timing>
-    <p:tnLst>
-      <p:par>
-        <p:cTn id="1" dur="indefinite" restart="never" nodeType="tmRoot"/>
-      </p:par>
-    </p:tnLst>
-  </p:timing>
 </p:sld>
 </file>
 
@@ -3809,14 +3812,19 @@
             <p:ph type="title"/>
           </p:nvPr>
         </p:nvSpPr>
-        <p:spPr/>
+        <p:spPr>
+          <a:xfrm>
+            <a:off x="279400" y="339725"/>
+            <a:ext cx="10515600" cy="1325563"/>
+          </a:xfrm>
+        </p:spPr>
         <p:txBody>
           <a:bodyPr/>
           <a:lstStyle/>
           <a:p>
             <a:r>
               <a:rPr lang="ru-RU" dirty="0" smtClean="0"/>
-              <a:t>Узлы к мониторингу</a:t>
+              <a:t>Интерактивная карта сети</a:t>
             </a:r>
             <a:endParaRPr lang="ru-RU" dirty="0"/>
           </a:p>
@@ -3846,28 +3854,21 @@
         </p:blipFill>
         <p:spPr>
           <a:xfrm>
-            <a:off x="1175918" y="1825625"/>
-            <a:ext cx="9840163" cy="4351338"/>
+            <a:off x="3716185" y="1384300"/>
+            <a:ext cx="4513415" cy="5372099"/>
           </a:xfrm>
         </p:spPr>
       </p:pic>
     </p:spTree>
     <p:extLst>
       <p:ext uri="{BB962C8B-B14F-4D97-AF65-F5344CB8AC3E}">
-        <p14:creationId xmlns:p14="http://schemas.microsoft.com/office/powerpoint/2010/main" val="3099373987"/>
+        <p14:creationId xmlns:p14="http://schemas.microsoft.com/office/powerpoint/2010/main" val="110395686"/>
       </p:ext>
     </p:extLst>
   </p:cSld>
   <p:clrMapOvr>
     <a:masterClrMapping/>
   </p:clrMapOvr>
-  <p:timing>
-    <p:tnLst>
-      <p:par>
-        <p:cTn id="1" dur="indefinite" restart="never" nodeType="tmRoot"/>
-      </p:par>
-    </p:tnLst>
-  </p:timing>
 </p:sld>
 </file>
 
@@ -4074,7 +4075,7 @@
           <a:p>
             <a:r>
               <a:rPr lang="ru-RU" dirty="0" smtClean="0"/>
-              <a:t>Способы доставки уведомлений</a:t>
+              <a:t>Пример ошибки на комплексном экране</a:t>
             </a:r>
             <a:endParaRPr lang="ru-RU" dirty="0"/>
           </a:p>
@@ -4104,15 +4105,15 @@
         </p:blipFill>
         <p:spPr>
           <a:xfrm>
-            <a:off x="4519786" y="1825625"/>
-            <a:ext cx="3152427" cy="4351338"/>
+            <a:off x="838200" y="1856925"/>
+            <a:ext cx="10515600" cy="4288737"/>
           </a:xfrm>
         </p:spPr>
       </p:pic>
     </p:spTree>
     <p:extLst>
       <p:ext uri="{BB962C8B-B14F-4D97-AF65-F5344CB8AC3E}">
-        <p14:creationId xmlns:p14="http://schemas.microsoft.com/office/powerpoint/2010/main" val="3227021024"/>
+        <p14:creationId xmlns:p14="http://schemas.microsoft.com/office/powerpoint/2010/main" val="4186046283"/>
       </p:ext>
     </p:extLst>
   </p:cSld>
@@ -4234,88 +4235,6 @@
             <p:ph type="title"/>
           </p:nvPr>
         </p:nvSpPr>
-        <p:spPr/>
-        <p:txBody>
-          <a:bodyPr/>
-          <a:lstStyle/>
-          <a:p>
-            <a:r>
-              <a:rPr lang="ru-RU" dirty="0" smtClean="0"/>
-              <a:t>Пример ошибки на комплексном экране</a:t>
-            </a:r>
-            <a:endParaRPr lang="ru-RU" dirty="0"/>
-          </a:p>
-        </p:txBody>
-      </p:sp>
-      <p:pic>
-        <p:nvPicPr>
-          <p:cNvPr id="4" name="Объект 3"/>
-          <p:cNvPicPr>
-            <a:picLocks noGrp="1" noChangeAspect="1"/>
-          </p:cNvPicPr>
-          <p:nvPr>
-            <p:ph idx="1"/>
-          </p:nvPr>
-        </p:nvPicPr>
-        <p:blipFill>
-          <a:blip r:embed="rId2">
-            <a:extLst>
-              <a:ext uri="{28A0092B-C50C-407E-A947-70E740481C1C}">
-                <a14:useLocalDpi xmlns:a14="http://schemas.microsoft.com/office/drawing/2010/main" val="0"/>
-              </a:ext>
-            </a:extLst>
-          </a:blip>
-          <a:stretch>
-            <a:fillRect/>
-          </a:stretch>
-        </p:blipFill>
-        <p:spPr>
-          <a:xfrm>
-            <a:off x="838200" y="1856925"/>
-            <a:ext cx="10515600" cy="4288737"/>
-          </a:xfrm>
-        </p:spPr>
-      </p:pic>
-    </p:spTree>
-    <p:extLst>
-      <p:ext uri="{BB962C8B-B14F-4D97-AF65-F5344CB8AC3E}">
-        <p14:creationId xmlns:p14="http://schemas.microsoft.com/office/powerpoint/2010/main" val="4186046283"/>
-      </p:ext>
-    </p:extLst>
-  </p:cSld>
-  <p:clrMapOvr>
-    <a:masterClrMapping/>
-  </p:clrMapOvr>
-</p:sld>
-</file>
-
-<file path=ppt/slides/slide21.xml><?xml version="1.0" encoding="utf-8"?>
-<p:sld xmlns:a="http://schemas.openxmlformats.org/drawingml/2006/main" xmlns:r="http://schemas.openxmlformats.org/officeDocument/2006/relationships" xmlns:p="http://schemas.openxmlformats.org/presentationml/2006/main">
-  <p:cSld>
-    <p:spTree>
-      <p:nvGrpSpPr>
-        <p:cNvPr id="1" name=""/>
-        <p:cNvGrpSpPr/>
-        <p:nvPr/>
-      </p:nvGrpSpPr>
-      <p:grpSpPr>
-        <a:xfrm>
-          <a:off x="0" y="0"/>
-          <a:ext cx="0" cy="0"/>
-          <a:chOff x="0" y="0"/>
-          <a:chExt cx="0" cy="0"/>
-        </a:xfrm>
-      </p:grpSpPr>
-      <p:sp>
-        <p:nvSpPr>
-          <p:cNvPr id="2" name="Заголовок 1"/>
-          <p:cNvSpPr>
-            <a:spLocks noGrp="1"/>
-          </p:cNvSpPr>
-          <p:nvPr>
-            <p:ph type="title"/>
-          </p:nvPr>
-        </p:nvSpPr>
         <p:spPr>
           <a:xfrm>
             <a:off x="622300" y="365125"/>
@@ -4376,7 +4295,7 @@
 </p:sld>
 </file>
 
-<file path=ppt/slides/slide22.xml><?xml version="1.0" encoding="utf-8"?>
+<file path=ppt/slides/slide21.xml><?xml version="1.0" encoding="utf-8"?>
 <p:sld xmlns:a="http://schemas.openxmlformats.org/drawingml/2006/main" xmlns:r="http://schemas.openxmlformats.org/officeDocument/2006/relationships" xmlns:p="http://schemas.openxmlformats.org/presentationml/2006/main">
   <p:cSld>
     <p:spTree>
@@ -4458,6 +4377,76 @@
 </p:sld>
 </file>
 
+<file path=ppt/slides/slide22.xml><?xml version="1.0" encoding="utf-8"?>
+<p:sld xmlns:a="http://schemas.openxmlformats.org/drawingml/2006/main" xmlns:r="http://schemas.openxmlformats.org/officeDocument/2006/relationships" xmlns:p="http://schemas.openxmlformats.org/presentationml/2006/main">
+  <p:cSld>
+    <p:spTree>
+      <p:nvGrpSpPr>
+        <p:cNvPr id="1" name=""/>
+        <p:cNvGrpSpPr/>
+        <p:nvPr/>
+      </p:nvGrpSpPr>
+      <p:grpSpPr>
+        <a:xfrm>
+          <a:off x="0" y="0"/>
+          <a:ext cx="0" cy="0"/>
+          <a:chOff x="0" y="0"/>
+          <a:chExt cx="0" cy="0"/>
+        </a:xfrm>
+      </p:grpSpPr>
+      <p:sp>
+        <p:nvSpPr>
+          <p:cNvPr id="3" name="Объект 2"/>
+          <p:cNvSpPr>
+            <a:spLocks noGrp="1"/>
+          </p:cNvSpPr>
+          <p:nvPr>
+            <p:ph idx="1"/>
+          </p:nvPr>
+        </p:nvSpPr>
+        <p:spPr>
+          <a:xfrm>
+            <a:off x="838200" y="1853852"/>
+            <a:ext cx="10515600" cy="4323111"/>
+          </a:xfrm>
+        </p:spPr>
+        <p:txBody>
+          <a:bodyPr>
+            <a:normAutofit/>
+          </a:bodyPr>
+          <a:lstStyle/>
+          <a:p>
+            <a:pPr marL="0" indent="0" algn="ctr">
+              <a:buNone/>
+            </a:pPr>
+            <a:r>
+              <a:rPr lang="ru-RU" sz="8000" dirty="0" smtClean="0"/>
+              <a:t>Спасибо за Ваше внимание!</a:t>
+            </a:r>
+            <a:endParaRPr lang="ru-RU" sz="8000" dirty="0"/>
+          </a:p>
+        </p:txBody>
+      </p:sp>
+    </p:spTree>
+    <p:extLst>
+      <p:ext uri="{BB962C8B-B14F-4D97-AF65-F5344CB8AC3E}">
+        <p14:creationId xmlns:p14="http://schemas.microsoft.com/office/powerpoint/2010/main" val="2200965739"/>
+      </p:ext>
+    </p:extLst>
+  </p:cSld>
+  <p:clrMapOvr>
+    <a:masterClrMapping/>
+  </p:clrMapOvr>
+  <p:timing>
+    <p:tnLst>
+      <p:par>
+        <p:cTn id="1" dur="indefinite" restart="never" nodeType="tmRoot"/>
+      </p:par>
+    </p:tnLst>
+  </p:timing>
+</p:sld>
+</file>
+
 <file path=ppt/slides/slide23.xml><?xml version="1.0" encoding="utf-8"?>
 <p:sld xmlns:a="http://schemas.openxmlformats.org/drawingml/2006/main" xmlns:r="http://schemas.openxmlformats.org/officeDocument/2006/relationships" xmlns:p="http://schemas.openxmlformats.org/presentationml/2006/main">
   <p:cSld>
@@ -4485,19 +4474,14 @@
             <p:ph type="title"/>
           </p:nvPr>
         </p:nvSpPr>
-        <p:spPr>
-          <a:xfrm>
-            <a:off x="279400" y="339725"/>
-            <a:ext cx="10515600" cy="1325563"/>
-          </a:xfrm>
-        </p:spPr>
+        <p:spPr/>
         <p:txBody>
           <a:bodyPr/>
           <a:lstStyle/>
           <a:p>
             <a:r>
               <a:rPr lang="ru-RU" dirty="0" smtClean="0"/>
-              <a:t>Интерактивная карта сети</a:t>
+              <a:t>Способы доставки уведомлений</a:t>
             </a:r>
             <a:endParaRPr lang="ru-RU" dirty="0"/>
           </a:p>
@@ -4527,21 +4511,110 @@
         </p:blipFill>
         <p:spPr>
           <a:xfrm>
-            <a:off x="3716185" y="1384300"/>
-            <a:ext cx="4513415" cy="5372099"/>
+            <a:off x="4519786" y="1825625"/>
+            <a:ext cx="3152427" cy="4351338"/>
           </a:xfrm>
         </p:spPr>
       </p:pic>
     </p:spTree>
     <p:extLst>
       <p:ext uri="{BB962C8B-B14F-4D97-AF65-F5344CB8AC3E}">
-        <p14:creationId xmlns:p14="http://schemas.microsoft.com/office/powerpoint/2010/main" val="110395686"/>
+        <p14:creationId xmlns:p14="http://schemas.microsoft.com/office/powerpoint/2010/main" val="3227021024"/>
       </p:ext>
     </p:extLst>
   </p:cSld>
   <p:clrMapOvr>
     <a:masterClrMapping/>
   </p:clrMapOvr>
+</p:sld>
+</file>
+
+<file path=ppt/slides/slide24.xml><?xml version="1.0" encoding="utf-8"?>
+<p:sld xmlns:a="http://schemas.openxmlformats.org/drawingml/2006/main" xmlns:r="http://schemas.openxmlformats.org/officeDocument/2006/relationships" xmlns:p="http://schemas.openxmlformats.org/presentationml/2006/main">
+  <p:cSld>
+    <p:spTree>
+      <p:nvGrpSpPr>
+        <p:cNvPr id="1" name=""/>
+        <p:cNvGrpSpPr/>
+        <p:nvPr/>
+      </p:nvGrpSpPr>
+      <p:grpSpPr>
+        <a:xfrm>
+          <a:off x="0" y="0"/>
+          <a:ext cx="0" cy="0"/>
+          <a:chOff x="0" y="0"/>
+          <a:chExt cx="0" cy="0"/>
+        </a:xfrm>
+      </p:grpSpPr>
+      <p:sp>
+        <p:nvSpPr>
+          <p:cNvPr id="2" name="Заголовок 1"/>
+          <p:cNvSpPr>
+            <a:spLocks noGrp="1"/>
+          </p:cNvSpPr>
+          <p:nvPr>
+            <p:ph type="title"/>
+          </p:nvPr>
+        </p:nvSpPr>
+        <p:spPr/>
+        <p:txBody>
+          <a:bodyPr/>
+          <a:lstStyle/>
+          <a:p>
+            <a:r>
+              <a:rPr lang="ru-RU" dirty="0" smtClean="0"/>
+              <a:t>Узлы к мониторингу</a:t>
+            </a:r>
+            <a:endParaRPr lang="ru-RU" dirty="0"/>
+          </a:p>
+        </p:txBody>
+      </p:sp>
+      <p:pic>
+        <p:nvPicPr>
+          <p:cNvPr id="4" name="Объект 3"/>
+          <p:cNvPicPr>
+            <a:picLocks noGrp="1" noChangeAspect="1"/>
+          </p:cNvPicPr>
+          <p:nvPr>
+            <p:ph idx="1"/>
+          </p:nvPr>
+        </p:nvPicPr>
+        <p:blipFill>
+          <a:blip r:embed="rId2">
+            <a:extLst>
+              <a:ext uri="{28A0092B-C50C-407E-A947-70E740481C1C}">
+                <a14:useLocalDpi xmlns:a14="http://schemas.microsoft.com/office/drawing/2010/main" val="0"/>
+              </a:ext>
+            </a:extLst>
+          </a:blip>
+          <a:stretch>
+            <a:fillRect/>
+          </a:stretch>
+        </p:blipFill>
+        <p:spPr>
+          <a:xfrm>
+            <a:off x="1175918" y="1825625"/>
+            <a:ext cx="9840163" cy="4351338"/>
+          </a:xfrm>
+        </p:spPr>
+      </p:pic>
+    </p:spTree>
+    <p:extLst>
+      <p:ext uri="{BB962C8B-B14F-4D97-AF65-F5344CB8AC3E}">
+        <p14:creationId xmlns:p14="http://schemas.microsoft.com/office/powerpoint/2010/main" val="3099373987"/>
+      </p:ext>
+    </p:extLst>
+  </p:cSld>
+  <p:clrMapOvr>
+    <a:masterClrMapping/>
+  </p:clrMapOvr>
+  <p:timing>
+    <p:tnLst>
+      <p:par>
+        <p:cTn id="1" dur="indefinite" restart="never" nodeType="tmRoot"/>
+      </p:par>
+    </p:tnLst>
+  </p:timing>
 </p:sld>
 </file>
 
